--- a/Projecten/Projecten_Lopend/Smart Plant/Smart Plant Systeem/Algemeen/Presentatie project Smart Plant system Reflectieweek oplevering.pptx
+++ b/Projecten/Projecten_Lopend/Smart Plant/Smart Plant Systeem/Algemeen/Presentatie project Smart Plant system Reflectieweek oplevering.pptx
@@ -7,8 +7,9 @@
   <p:sldIdLst>
     <p:sldId id="256" r:id="rId5"/>
     <p:sldId id="257" r:id="rId6"/>
-    <p:sldId id="258" r:id="rId7"/>
-    <p:sldId id="260" r:id="rId8"/>
+    <p:sldId id="261" r:id="rId7"/>
+    <p:sldId id="258" r:id="rId8"/>
+    <p:sldId id="260" r:id="rId9"/>
   </p:sldIdLst>
   <p:sldSz cx="12192000" cy="6858000"/>
   <p:notesSz cx="6858000" cy="9144000"/>
@@ -118,7 +119,7 @@
 <file path=ppt/revisionInfo.xml><?xml version="1.0" encoding="utf-8"?>
 <p1510:revInfo xmlns:a="http://schemas.openxmlformats.org/drawingml/2006/main" xmlns:r="http://schemas.openxmlformats.org/officeDocument/2006/relationships" xmlns:p1510="http://schemas.microsoft.com/office/powerpoint/2015/10/main">
   <p1510:revLst>
-    <p1510:client id="{3568543F-CD67-4B3D-9BEF-88D34B25158A}" v="3" dt="2019-12-05T10:03:24.757"/>
+    <p1510:client id="{B57250FC-C0FB-4459-93A2-7F03B227FBCF}" v="42" dt="2020-01-16T11:43:54.392"/>
   </p1510:revLst>
 </p1510:revInfo>
 </file>
@@ -324,6 +325,289 @@
     </pc:docChg>
   </pc:docChgLst>
   <pc:docChgLst>
+    <pc:chgData name="Rutger Haaze" userId="c8cc0352-55cb-4607-8de2-b26ad0468610" providerId="ADAL" clId="{B57250FC-C0FB-4459-93A2-7F03B227FBCF}"/>
+    <pc:docChg chg="undo custSel addSld delSld modSld">
+      <pc:chgData name="Rutger Haaze" userId="c8cc0352-55cb-4607-8de2-b26ad0468610" providerId="ADAL" clId="{B57250FC-C0FB-4459-93A2-7F03B227FBCF}" dt="2020-01-16T12:00:00.447" v="2381" actId="20577"/>
+      <pc:docMkLst>
+        <pc:docMk/>
+      </pc:docMkLst>
+      <pc:sldChg chg="addSp delSp modSp">
+        <pc:chgData name="Rutger Haaze" userId="c8cc0352-55cb-4607-8de2-b26ad0468610" providerId="ADAL" clId="{B57250FC-C0FB-4459-93A2-7F03B227FBCF}" dt="2020-01-16T10:17:01.610" v="1111" actId="1076"/>
+        <pc:sldMkLst>
+          <pc:docMk/>
+          <pc:sldMk cId="431671279" sldId="256"/>
+        </pc:sldMkLst>
+        <pc:spChg chg="mod">
+          <ac:chgData name="Rutger Haaze" userId="c8cc0352-55cb-4607-8de2-b26ad0468610" providerId="ADAL" clId="{B57250FC-C0FB-4459-93A2-7F03B227FBCF}" dt="2020-01-16T08:55:42.813" v="39" actId="20577"/>
+          <ac:spMkLst>
+            <pc:docMk/>
+            <pc:sldMk cId="431671279" sldId="256"/>
+            <ac:spMk id="2" creationId="{B82CB0B8-F91C-41CC-B6A9-EA7E2340C160}"/>
+          </ac:spMkLst>
+        </pc:spChg>
+        <pc:spChg chg="mod">
+          <ac:chgData name="Rutger Haaze" userId="c8cc0352-55cb-4607-8de2-b26ad0468610" providerId="ADAL" clId="{B57250FC-C0FB-4459-93A2-7F03B227FBCF}" dt="2020-01-16T10:15:17.009" v="1107" actId="115"/>
+          <ac:spMkLst>
+            <pc:docMk/>
+            <pc:sldMk cId="431671279" sldId="256"/>
+            <ac:spMk id="3" creationId="{F2895BF7-1700-49D3-94BB-AAC6A0F6755B}"/>
+          </ac:spMkLst>
+        </pc:spChg>
+        <pc:picChg chg="add mod">
+          <ac:chgData name="Rutger Haaze" userId="c8cc0352-55cb-4607-8de2-b26ad0468610" providerId="ADAL" clId="{B57250FC-C0FB-4459-93A2-7F03B227FBCF}" dt="2020-01-16T10:17:01.610" v="1111" actId="1076"/>
+          <ac:picMkLst>
+            <pc:docMk/>
+            <pc:sldMk cId="431671279" sldId="256"/>
+            <ac:picMk id="4" creationId="{503B6B94-3625-447B-ADC3-75E3C3BE06C8}"/>
+          </ac:picMkLst>
+        </pc:picChg>
+        <pc:picChg chg="del mod">
+          <ac:chgData name="Rutger Haaze" userId="c8cc0352-55cb-4607-8de2-b26ad0468610" providerId="ADAL" clId="{B57250FC-C0FB-4459-93A2-7F03B227FBCF}" dt="2020-01-16T08:53:12.778" v="2" actId="478"/>
+          <ac:picMkLst>
+            <pc:docMk/>
+            <pc:sldMk cId="431671279" sldId="256"/>
+            <ac:picMk id="6" creationId="{9E62653B-F0E9-4977-8137-E98271929E19}"/>
+          </ac:picMkLst>
+        </pc:picChg>
+      </pc:sldChg>
+      <pc:sldChg chg="addSp delSp modSp">
+        <pc:chgData name="Rutger Haaze" userId="c8cc0352-55cb-4607-8de2-b26ad0468610" providerId="ADAL" clId="{B57250FC-C0FB-4459-93A2-7F03B227FBCF}" dt="2020-01-16T11:55:46.242" v="2306" actId="20577"/>
+        <pc:sldMkLst>
+          <pc:docMk/>
+          <pc:sldMk cId="3753025610" sldId="257"/>
+        </pc:sldMkLst>
+        <pc:spChg chg="mod">
+          <ac:chgData name="Rutger Haaze" userId="c8cc0352-55cb-4607-8de2-b26ad0468610" providerId="ADAL" clId="{B57250FC-C0FB-4459-93A2-7F03B227FBCF}" dt="2020-01-16T11:55:46.242" v="2306" actId="20577"/>
+          <ac:spMkLst>
+            <pc:docMk/>
+            <pc:sldMk cId="3753025610" sldId="257"/>
+            <ac:spMk id="3" creationId="{D9298A98-96D7-4682-A78C-3E5DCD70C8B9}"/>
+          </ac:spMkLst>
+        </pc:spChg>
+        <pc:spChg chg="add del mod">
+          <ac:chgData name="Rutger Haaze" userId="c8cc0352-55cb-4607-8de2-b26ad0468610" providerId="ADAL" clId="{B57250FC-C0FB-4459-93A2-7F03B227FBCF}" dt="2020-01-16T09:55:20.469" v="520"/>
+          <ac:spMkLst>
+            <pc:docMk/>
+            <pc:sldMk cId="3753025610" sldId="257"/>
+            <ac:spMk id="7" creationId="{67526CD9-93B4-41B5-B9F0-9C3747AB7E8E}"/>
+          </ac:spMkLst>
+        </pc:spChg>
+        <pc:spChg chg="add mod">
+          <ac:chgData name="Rutger Haaze" userId="c8cc0352-55cb-4607-8de2-b26ad0468610" providerId="ADAL" clId="{B57250FC-C0FB-4459-93A2-7F03B227FBCF}" dt="2020-01-16T10:35:44.375" v="1612" actId="1076"/>
+          <ac:spMkLst>
+            <pc:docMk/>
+            <pc:sldMk cId="3753025610" sldId="257"/>
+            <ac:spMk id="10" creationId="{244C3027-D222-45D0-A429-C7A7C2804364}"/>
+          </ac:spMkLst>
+        </pc:spChg>
+        <pc:spChg chg="add mod">
+          <ac:chgData name="Rutger Haaze" userId="c8cc0352-55cb-4607-8de2-b26ad0468610" providerId="ADAL" clId="{B57250FC-C0FB-4459-93A2-7F03B227FBCF}" dt="2020-01-16T10:35:36.772" v="1611" actId="207"/>
+          <ac:spMkLst>
+            <pc:docMk/>
+            <pc:sldMk cId="3753025610" sldId="257"/>
+            <ac:spMk id="11" creationId="{BFB6D808-C2E5-4146-AE48-B8DC60BE067F}"/>
+          </ac:spMkLst>
+        </pc:spChg>
+        <pc:picChg chg="add mod modCrop">
+          <ac:chgData name="Rutger Haaze" userId="c8cc0352-55cb-4607-8de2-b26ad0468610" providerId="ADAL" clId="{B57250FC-C0FB-4459-93A2-7F03B227FBCF}" dt="2020-01-16T10:33:45.488" v="1576" actId="1076"/>
+          <ac:picMkLst>
+            <pc:docMk/>
+            <pc:sldMk cId="3753025610" sldId="257"/>
+            <ac:picMk id="5" creationId="{CB2335EB-6028-4849-A326-1B317F3495BB}"/>
+          </ac:picMkLst>
+        </pc:picChg>
+        <pc:picChg chg="del">
+          <ac:chgData name="Rutger Haaze" userId="c8cc0352-55cb-4607-8de2-b26ad0468610" providerId="ADAL" clId="{B57250FC-C0FB-4459-93A2-7F03B227FBCF}" dt="2020-01-16T08:54:34.466" v="7" actId="478"/>
+          <ac:picMkLst>
+            <pc:docMk/>
+            <pc:sldMk cId="3753025610" sldId="257"/>
+            <ac:picMk id="6" creationId="{0F51CA84-0B00-4022-9778-E4D2DA5C431E}"/>
+          </ac:picMkLst>
+        </pc:picChg>
+        <pc:picChg chg="add mod modCrop">
+          <ac:chgData name="Rutger Haaze" userId="c8cc0352-55cb-4607-8de2-b26ad0468610" providerId="ADAL" clId="{B57250FC-C0FB-4459-93A2-7F03B227FBCF}" dt="2020-01-16T10:33:32.896" v="1575" actId="1076"/>
+          <ac:picMkLst>
+            <pc:docMk/>
+            <pc:sldMk cId="3753025610" sldId="257"/>
+            <ac:picMk id="9" creationId="{B211ADB7-9DAD-4432-B69C-D0CEB473F51D}"/>
+          </ac:picMkLst>
+        </pc:picChg>
+      </pc:sldChg>
+      <pc:sldChg chg="addSp delSp modSp">
+        <pc:chgData name="Rutger Haaze" userId="c8cc0352-55cb-4607-8de2-b26ad0468610" providerId="ADAL" clId="{B57250FC-C0FB-4459-93A2-7F03B227FBCF}" dt="2020-01-16T12:00:00.447" v="2381" actId="20577"/>
+        <pc:sldMkLst>
+          <pc:docMk/>
+          <pc:sldMk cId="350872856" sldId="258"/>
+        </pc:sldMkLst>
+        <pc:spChg chg="mod">
+          <ac:chgData name="Rutger Haaze" userId="c8cc0352-55cb-4607-8de2-b26ad0468610" providerId="ADAL" clId="{B57250FC-C0FB-4459-93A2-7F03B227FBCF}" dt="2020-01-16T09:58:42.775" v="590" actId="20577"/>
+          <ac:spMkLst>
+            <pc:docMk/>
+            <pc:sldMk cId="350872856" sldId="258"/>
+            <ac:spMk id="2" creationId="{9A8014A1-2855-49DD-ADA3-AE4D09CA8A41}"/>
+          </ac:spMkLst>
+        </pc:spChg>
+        <pc:spChg chg="del mod">
+          <ac:chgData name="Rutger Haaze" userId="c8cc0352-55cb-4607-8de2-b26ad0468610" providerId="ADAL" clId="{B57250FC-C0FB-4459-93A2-7F03B227FBCF}" dt="2020-01-16T09:59:31.250" v="611" actId="478"/>
+          <ac:spMkLst>
+            <pc:docMk/>
+            <pc:sldMk cId="350872856" sldId="258"/>
+            <ac:spMk id="3" creationId="{A62341D0-93E8-4F5C-83A2-4D27D588E505}"/>
+          </ac:spMkLst>
+        </pc:spChg>
+        <pc:spChg chg="mod">
+          <ac:chgData name="Rutger Haaze" userId="c8cc0352-55cb-4607-8de2-b26ad0468610" providerId="ADAL" clId="{B57250FC-C0FB-4459-93A2-7F03B227FBCF}" dt="2020-01-16T10:23:34.864" v="1422" actId="20577"/>
+          <ac:spMkLst>
+            <pc:docMk/>
+            <pc:sldMk cId="350872856" sldId="258"/>
+            <ac:spMk id="4" creationId="{D8225C6B-D8EA-480C-ABFE-1A1945FEAB4E}"/>
+          </ac:spMkLst>
+        </pc:spChg>
+        <pc:spChg chg="add del mod">
+          <ac:chgData name="Rutger Haaze" userId="c8cc0352-55cb-4607-8de2-b26ad0468610" providerId="ADAL" clId="{B57250FC-C0FB-4459-93A2-7F03B227FBCF}" dt="2020-01-16T09:59:02.872" v="593"/>
+          <ac:spMkLst>
+            <pc:docMk/>
+            <pc:sldMk cId="350872856" sldId="258"/>
+            <ac:spMk id="5" creationId="{56B82E0F-5714-4CD9-98B7-F3866F13A619}"/>
+          </ac:spMkLst>
+        </pc:spChg>
+        <pc:spChg chg="add del mod">
+          <ac:chgData name="Rutger Haaze" userId="c8cc0352-55cb-4607-8de2-b26ad0468610" providerId="ADAL" clId="{B57250FC-C0FB-4459-93A2-7F03B227FBCF}" dt="2020-01-16T10:00:36.283" v="630" actId="478"/>
+          <ac:spMkLst>
+            <pc:docMk/>
+            <pc:sldMk cId="350872856" sldId="258"/>
+            <ac:spMk id="6" creationId="{7196D655-98FA-4866-B80C-FA3CEF44C8FE}"/>
+          </ac:spMkLst>
+        </pc:spChg>
+        <pc:spChg chg="add del mod">
+          <ac:chgData name="Rutger Haaze" userId="c8cc0352-55cb-4607-8de2-b26ad0468610" providerId="ADAL" clId="{B57250FC-C0FB-4459-93A2-7F03B227FBCF}" dt="2020-01-16T09:59:34.566" v="612" actId="478"/>
+          <ac:spMkLst>
+            <pc:docMk/>
+            <pc:sldMk cId="350872856" sldId="258"/>
+            <ac:spMk id="8" creationId="{ACE67098-ADFF-45AB-9243-CD267D5B4B0E}"/>
+          </ac:spMkLst>
+        </pc:spChg>
+        <pc:spChg chg="add mod">
+          <ac:chgData name="Rutger Haaze" userId="c8cc0352-55cb-4607-8de2-b26ad0468610" providerId="ADAL" clId="{B57250FC-C0FB-4459-93A2-7F03B227FBCF}" dt="2020-01-16T10:40:08.265" v="1872" actId="20577"/>
+          <ac:spMkLst>
+            <pc:docMk/>
+            <pc:sldMk cId="350872856" sldId="258"/>
+            <ac:spMk id="9" creationId="{C5C57A8C-5D47-4F86-86B2-B37B00766DD7}"/>
+          </ac:spMkLst>
+        </pc:spChg>
+        <pc:spChg chg="add mod">
+          <ac:chgData name="Rutger Haaze" userId="c8cc0352-55cb-4607-8de2-b26ad0468610" providerId="ADAL" clId="{B57250FC-C0FB-4459-93A2-7F03B227FBCF}" dt="2020-01-16T12:00:00.447" v="2381" actId="20577"/>
+          <ac:spMkLst>
+            <pc:docMk/>
+            <pc:sldMk cId="350872856" sldId="258"/>
+            <ac:spMk id="10" creationId="{A08A8E03-0317-4EBD-A978-BA8A357A41D9}"/>
+          </ac:spMkLst>
+        </pc:spChg>
+        <pc:spChg chg="add del mod">
+          <ac:chgData name="Rutger Haaze" userId="c8cc0352-55cb-4607-8de2-b26ad0468610" providerId="ADAL" clId="{B57250FC-C0FB-4459-93A2-7F03B227FBCF}" dt="2020-01-16T10:39:36.748" v="1856" actId="478"/>
+          <ac:spMkLst>
+            <pc:docMk/>
+            <pc:sldMk cId="350872856" sldId="258"/>
+            <ac:spMk id="11" creationId="{C11153D5-1DC8-4256-BB90-7F62D997F50C}"/>
+          </ac:spMkLst>
+        </pc:spChg>
+      </pc:sldChg>
+      <pc:sldChg chg="addSp delSp modSp">
+        <pc:chgData name="Rutger Haaze" userId="c8cc0352-55cb-4607-8de2-b26ad0468610" providerId="ADAL" clId="{B57250FC-C0FB-4459-93A2-7F03B227FBCF}" dt="2020-01-16T10:37:09.205" v="1789" actId="478"/>
+        <pc:sldMkLst>
+          <pc:docMk/>
+          <pc:sldMk cId="2564317291" sldId="260"/>
+        </pc:sldMkLst>
+        <pc:spChg chg="mod">
+          <ac:chgData name="Rutger Haaze" userId="c8cc0352-55cb-4607-8de2-b26ad0468610" providerId="ADAL" clId="{B57250FC-C0FB-4459-93A2-7F03B227FBCF}" dt="2020-01-16T10:23:43.907" v="1434" actId="20577"/>
+          <ac:spMkLst>
+            <pc:docMk/>
+            <pc:sldMk cId="2564317291" sldId="260"/>
+            <ac:spMk id="2" creationId="{FDBC135A-56E3-42CC-BBEE-56E89AB0B773}"/>
+          </ac:spMkLst>
+        </pc:spChg>
+        <pc:spChg chg="add del mod">
+          <ac:chgData name="Rutger Haaze" userId="c8cc0352-55cb-4607-8de2-b26ad0468610" providerId="ADAL" clId="{B57250FC-C0FB-4459-93A2-7F03B227FBCF}" dt="2020-01-16T10:37:09.205" v="1789" actId="478"/>
+          <ac:spMkLst>
+            <pc:docMk/>
+            <pc:sldMk cId="2564317291" sldId="260"/>
+            <ac:spMk id="4" creationId="{43E6237E-F67D-4F0A-85DF-CD5C778BB57F}"/>
+          </ac:spMkLst>
+        </pc:spChg>
+        <pc:picChg chg="del">
+          <ac:chgData name="Rutger Haaze" userId="c8cc0352-55cb-4607-8de2-b26ad0468610" providerId="ADAL" clId="{B57250FC-C0FB-4459-93A2-7F03B227FBCF}" dt="2020-01-16T08:54:48.337" v="12" actId="478"/>
+          <ac:picMkLst>
+            <pc:docMk/>
+            <pc:sldMk cId="2564317291" sldId="260"/>
+            <ac:picMk id="6" creationId="{BC4A354D-1FCC-4140-B42A-1C5428982737}"/>
+          </ac:picMkLst>
+        </pc:picChg>
+        <pc:picChg chg="del">
+          <ac:chgData name="Rutger Haaze" userId="c8cc0352-55cb-4607-8de2-b26ad0468610" providerId="ADAL" clId="{B57250FC-C0FB-4459-93A2-7F03B227FBCF}" dt="2020-01-16T08:54:47.387" v="11" actId="478"/>
+          <ac:picMkLst>
+            <pc:docMk/>
+            <pc:sldMk cId="2564317291" sldId="260"/>
+            <ac:picMk id="10" creationId="{5D283229-C34A-43F4-BBC8-AF2842500FEE}"/>
+          </ac:picMkLst>
+        </pc:picChg>
+      </pc:sldChg>
+      <pc:sldChg chg="addSp delSp modSp add">
+        <pc:chgData name="Rutger Haaze" userId="c8cc0352-55cb-4607-8de2-b26ad0468610" providerId="ADAL" clId="{B57250FC-C0FB-4459-93A2-7F03B227FBCF}" dt="2020-01-16T11:53:54.463" v="2205" actId="20577"/>
+        <pc:sldMkLst>
+          <pc:docMk/>
+          <pc:sldMk cId="294859702" sldId="261"/>
+        </pc:sldMkLst>
+        <pc:spChg chg="mod">
+          <ac:chgData name="Rutger Haaze" userId="c8cc0352-55cb-4607-8de2-b26ad0468610" providerId="ADAL" clId="{B57250FC-C0FB-4459-93A2-7F03B227FBCF}" dt="2020-01-16T10:28:30.206" v="1533" actId="20577"/>
+          <ac:spMkLst>
+            <pc:docMk/>
+            <pc:sldMk cId="294859702" sldId="261"/>
+            <ac:spMk id="2" creationId="{E78095EE-1AE3-4274-8175-3E80B3C2A849}"/>
+          </ac:spMkLst>
+        </pc:spChg>
+        <pc:spChg chg="mod">
+          <ac:chgData name="Rutger Haaze" userId="c8cc0352-55cb-4607-8de2-b26ad0468610" providerId="ADAL" clId="{B57250FC-C0FB-4459-93A2-7F03B227FBCF}" dt="2020-01-16T11:53:54.463" v="2205" actId="20577"/>
+          <ac:spMkLst>
+            <pc:docMk/>
+            <pc:sldMk cId="294859702" sldId="261"/>
+            <ac:spMk id="3" creationId="{2F1E38A0-861F-4665-B89A-D4069488A4CB}"/>
+          </ac:spMkLst>
+        </pc:spChg>
+        <pc:picChg chg="add mod modCrop">
+          <ac:chgData name="Rutger Haaze" userId="c8cc0352-55cb-4607-8de2-b26ad0468610" providerId="ADAL" clId="{B57250FC-C0FB-4459-93A2-7F03B227FBCF}" dt="2020-01-16T10:32:03.700" v="1559" actId="1076"/>
+          <ac:picMkLst>
+            <pc:docMk/>
+            <pc:sldMk cId="294859702" sldId="261"/>
+            <ac:picMk id="4" creationId="{44CE6B65-5E25-4768-A6B4-309B5BE64A34}"/>
+          </ac:picMkLst>
+        </pc:picChg>
+        <pc:picChg chg="add del mod modCrop">
+          <ac:chgData name="Rutger Haaze" userId="c8cc0352-55cb-4607-8de2-b26ad0468610" providerId="ADAL" clId="{B57250FC-C0FB-4459-93A2-7F03B227FBCF}" dt="2020-01-16T10:31:10.700" v="1551" actId="478"/>
+          <ac:picMkLst>
+            <pc:docMk/>
+            <pc:sldMk cId="294859702" sldId="261"/>
+            <ac:picMk id="5" creationId="{7AF222E5-F08F-470C-A452-9C2F4081D08A}"/>
+          </ac:picMkLst>
+        </pc:picChg>
+        <pc:picChg chg="add mod modCrop">
+          <ac:chgData name="Rutger Haaze" userId="c8cc0352-55cb-4607-8de2-b26ad0468610" providerId="ADAL" clId="{B57250FC-C0FB-4459-93A2-7F03B227FBCF}" dt="2020-01-16T11:53:20.436" v="2203" actId="1035"/>
+          <ac:picMkLst>
+            <pc:docMk/>
+            <pc:sldMk cId="294859702" sldId="261"/>
+            <ac:picMk id="6" creationId="{168549A0-4C7C-4BAC-8DDC-59B9D822BA83}"/>
+          </ac:picMkLst>
+        </pc:picChg>
+      </pc:sldChg>
+      <pc:sldChg chg="add del">
+        <pc:chgData name="Rutger Haaze" userId="c8cc0352-55cb-4607-8de2-b26ad0468610" providerId="ADAL" clId="{B57250FC-C0FB-4459-93A2-7F03B227FBCF}" dt="2020-01-16T11:41:27.902" v="2041" actId="2696"/>
+        <pc:sldMkLst>
+          <pc:docMk/>
+          <pc:sldMk cId="3438197676" sldId="262"/>
+        </pc:sldMkLst>
+      </pc:sldChg>
+    </pc:docChg>
+  </pc:docChgLst>
+  <pc:docChgLst>
     <pc:chgData name="Rutger Haaze" userId="c8cc0352-55cb-4607-8de2-b26ad0468610" providerId="ADAL" clId="{3568543F-CD67-4B3D-9BEF-88D34B25158A}"/>
     <pc:docChg chg="custSel modSld">
       <pc:chgData name="Rutger Haaze" userId="c8cc0352-55cb-4607-8de2-b26ad0468610" providerId="ADAL" clId="{3568543F-CD67-4B3D-9BEF-88D34B25158A}" dt="2019-12-09T11:55:22.051" v="113" actId="20577"/>
@@ -639,7 +923,7 @@
           <a:p>
             <a:fld id="{698FF962-DBFE-43EB-92C0-9EEFC6B787AF}" type="datetimeFigureOut">
               <a:rPr lang="en-US" smtClean="0"/>
-              <a:t>12/9/2019</a:t>
+              <a:t>1/16/2020</a:t>
             </a:fld>
             <a:endParaRPr lang="en-US"/>
           </a:p>
@@ -1053,7 +1337,7 @@
           <a:p>
             <a:fld id="{698FF962-DBFE-43EB-92C0-9EEFC6B787AF}" type="datetimeFigureOut">
               <a:rPr lang="en-US" smtClean="0"/>
-              <a:t>12/9/2019</a:t>
+              <a:t>1/16/2020</a:t>
             </a:fld>
             <a:endParaRPr lang="en-US"/>
           </a:p>
@@ -1389,7 +1673,7 @@
           <a:p>
             <a:fld id="{698FF962-DBFE-43EB-92C0-9EEFC6B787AF}" type="datetimeFigureOut">
               <a:rPr lang="en-US" smtClean="0"/>
-              <a:t>12/9/2019</a:t>
+              <a:t>1/16/2020</a:t>
             </a:fld>
             <a:endParaRPr lang="en-US"/>
           </a:p>
@@ -1794,7 +2078,7 @@
           <a:p>
             <a:fld id="{698FF962-DBFE-43EB-92C0-9EEFC6B787AF}" type="datetimeFigureOut">
               <a:rPr lang="en-US" smtClean="0"/>
-              <a:t>12/9/2019</a:t>
+              <a:t>1/16/2020</a:t>
             </a:fld>
             <a:endParaRPr lang="en-US"/>
           </a:p>
@@ -2362,7 +2646,7 @@
           <a:p>
             <a:fld id="{698FF962-DBFE-43EB-92C0-9EEFC6B787AF}" type="datetimeFigureOut">
               <a:rPr lang="en-US" smtClean="0"/>
-              <a:t>12/9/2019</a:t>
+              <a:t>1/16/2020</a:t>
             </a:fld>
             <a:endParaRPr lang="en-US"/>
           </a:p>
@@ -3043,7 +3327,7 @@
           <a:p>
             <a:fld id="{698FF962-DBFE-43EB-92C0-9EEFC6B787AF}" type="datetimeFigureOut">
               <a:rPr lang="en-US" smtClean="0"/>
-              <a:t>12/9/2019</a:t>
+              <a:t>1/16/2020</a:t>
             </a:fld>
             <a:endParaRPr lang="en-US"/>
           </a:p>
@@ -3956,7 +4240,7 @@
           <a:p>
             <a:fld id="{698FF962-DBFE-43EB-92C0-9EEFC6B787AF}" type="datetimeFigureOut">
               <a:rPr lang="en-US" smtClean="0"/>
-              <a:t>12/9/2019</a:t>
+              <a:t>1/16/2020</a:t>
             </a:fld>
             <a:endParaRPr lang="en-US"/>
           </a:p>
@@ -4269,7 +4553,7 @@
           <a:p>
             <a:fld id="{698FF962-DBFE-43EB-92C0-9EEFC6B787AF}" type="datetimeFigureOut">
               <a:rPr lang="en-US" smtClean="0"/>
-              <a:t>12/9/2019</a:t>
+              <a:t>1/16/2020</a:t>
             </a:fld>
             <a:endParaRPr lang="en-US"/>
           </a:p>
@@ -4533,7 +4817,7 @@
           <a:p>
             <a:fld id="{698FF962-DBFE-43EB-92C0-9EEFC6B787AF}" type="datetimeFigureOut">
               <a:rPr lang="en-US" smtClean="0"/>
-              <a:t>12/9/2019</a:t>
+              <a:t>1/16/2020</a:t>
             </a:fld>
             <a:endParaRPr lang="en-US"/>
           </a:p>
@@ -4856,7 +5140,7 @@
           <a:p>
             <a:fld id="{698FF962-DBFE-43EB-92C0-9EEFC6B787AF}" type="datetimeFigureOut">
               <a:rPr lang="en-US" smtClean="0"/>
-              <a:t>12/9/2019</a:t>
+              <a:t>1/16/2020</a:t>
             </a:fld>
             <a:endParaRPr lang="en-US"/>
           </a:p>
@@ -5245,7 +5529,7 @@
           <a:p>
             <a:fld id="{698FF962-DBFE-43EB-92C0-9EEFC6B787AF}" type="datetimeFigureOut">
               <a:rPr lang="en-US" smtClean="0"/>
-              <a:t>12/9/2019</a:t>
+              <a:t>1/16/2020</a:t>
             </a:fld>
             <a:endParaRPr lang="en-US"/>
           </a:p>
@@ -5621,7 +5905,7 @@
           <a:p>
             <a:fld id="{698FF962-DBFE-43EB-92C0-9EEFC6B787AF}" type="datetimeFigureOut">
               <a:rPr lang="en-US" smtClean="0"/>
-              <a:t>12/9/2019</a:t>
+              <a:t>1/16/2020</a:t>
             </a:fld>
             <a:endParaRPr lang="en-US"/>
           </a:p>
@@ -6127,7 +6411,7 @@
           <a:p>
             <a:fld id="{698FF962-DBFE-43EB-92C0-9EEFC6B787AF}" type="datetimeFigureOut">
               <a:rPr lang="en-US" smtClean="0"/>
-              <a:t>12/9/2019</a:t>
+              <a:t>1/16/2020</a:t>
             </a:fld>
             <a:endParaRPr lang="en-US"/>
           </a:p>
@@ -6384,7 +6668,7 @@
           <a:p>
             <a:fld id="{698FF962-DBFE-43EB-92C0-9EEFC6B787AF}" type="datetimeFigureOut">
               <a:rPr lang="en-US" smtClean="0"/>
-              <a:t>12/9/2019</a:t>
+              <a:t>1/16/2020</a:t>
             </a:fld>
             <a:endParaRPr lang="en-US"/>
           </a:p>
@@ -6547,7 +6831,7 @@
           <a:p>
             <a:fld id="{698FF962-DBFE-43EB-92C0-9EEFC6B787AF}" type="datetimeFigureOut">
               <a:rPr lang="en-US" smtClean="0"/>
-              <a:t>12/9/2019</a:t>
+              <a:t>1/16/2020</a:t>
             </a:fld>
             <a:endParaRPr lang="en-US"/>
           </a:p>
@@ -6937,7 +7221,7 @@
           <a:p>
             <a:fld id="{698FF962-DBFE-43EB-92C0-9EEFC6B787AF}" type="datetimeFigureOut">
               <a:rPr lang="en-US" smtClean="0"/>
-              <a:t>12/9/2019</a:t>
+              <a:t>1/16/2020</a:t>
             </a:fld>
             <a:endParaRPr lang="en-US"/>
           </a:p>
@@ -7346,7 +7630,7 @@
           <a:p>
             <a:fld id="{698FF962-DBFE-43EB-92C0-9EEFC6B787AF}" type="datetimeFigureOut">
               <a:rPr lang="en-US" smtClean="0"/>
-              <a:t>12/9/2019</a:t>
+              <a:t>1/16/2020</a:t>
             </a:fld>
             <a:endParaRPr lang="en-US"/>
           </a:p>
@@ -7590,7 +7874,7 @@
           <a:p>
             <a:fld id="{698FF962-DBFE-43EB-92C0-9EEFC6B787AF}" type="datetimeFigureOut">
               <a:rPr lang="en-US" smtClean="0"/>
-              <a:t>12/9/2019</a:t>
+              <a:t>1/16/2020</a:t>
             </a:fld>
             <a:endParaRPr lang="en-US"/>
           </a:p>
@@ -8335,30 +8619,10 @@
           <a:p>
             <a:r>
               <a:rPr lang="en-US" sz="3800" dirty="0">
-                <a:latin typeface="Arial Black"/>
-              </a:rPr>
-              <a:t>Project: Smart Plant Pot</a:t>
-            </a:r>
-            <a:br>
-              <a:rPr lang="en-US" sz="3800" dirty="0">
-                <a:latin typeface="Arial Black"/>
-              </a:rPr>
-            </a:br>
-            <a:r>
-              <a:rPr lang="en-US" sz="3800" dirty="0">
                 <a:latin typeface="Arial Black" panose="020B0A04020102020204" pitchFamily="34" charset="0"/>
               </a:rPr>
-              <a:t>Review </a:t>
-            </a:r>
-            <a:r>
-              <a:rPr lang="en-US" sz="3800" dirty="0" err="1">
-                <a:latin typeface="Arial Black" panose="020B0A04020102020204" pitchFamily="34" charset="0"/>
-              </a:rPr>
-              <a:t>gesprek</a:t>
-            </a:r>
-            <a:endParaRPr lang="en-US" sz="3800" dirty="0">
-              <a:latin typeface="Arial Black" panose="020B0A04020102020204" pitchFamily="34" charset="0"/>
-            </a:endParaRPr>
+              <a:t>Project Holland Aviation</a:t>
+            </a:r>
           </a:p>
         </p:txBody>
       </p:sp>
@@ -8380,8 +8644,8 @@
         </p:nvSpPr>
         <p:spPr>
           <a:xfrm>
-            <a:off x="680322" y="4394039"/>
-            <a:ext cx="6752110" cy="2273461"/>
+            <a:off x="680322" y="4250411"/>
+            <a:ext cx="6752110" cy="2417090"/>
           </a:xfrm>
         </p:spPr>
         <p:txBody>
@@ -8392,7 +8656,7 @@
           <a:p>
             <a:r>
               <a:rPr lang="en-US" sz="1600" u="sng" dirty="0" err="1"/>
-              <a:t>Projectleider</a:t>
+              <a:t>Projectleden</a:t>
             </a:r>
             <a:r>
               <a:rPr lang="en-US" sz="1600" u="sng" dirty="0"/>
@@ -8407,40 +8671,51 @@
           </a:p>
           <a:p>
             <a:r>
-              <a:rPr lang="en-US" sz="1600" u="sng" dirty="0" err="1"/>
-              <a:t>Projectleden</a:t>
-            </a:r>
-            <a:r>
-              <a:rPr lang="en-US" sz="1600" u="sng" dirty="0"/>
-              <a:t>:</a:t>
-            </a:r>
-          </a:p>
-          <a:p>
-            <a:r>
               <a:rPr lang="en-US" sz="1600" dirty="0"/>
-              <a:t>Tayo Odubela</a:t>
-            </a:r>
+              <a:t>Tristan </a:t>
+            </a:r>
+            <a:r>
+              <a:rPr lang="en-US" sz="1600" dirty="0" err="1"/>
+              <a:t>Lubreyere</a:t>
+            </a:r>
+            <a:endParaRPr lang="en-US" sz="1600" dirty="0"/>
           </a:p>
           <a:p>
             <a:r>
               <a:rPr lang="en-US" sz="1600" dirty="0"/>
-              <a:t>Jiaru Reijngoudt</a:t>
-            </a:r>
-          </a:p>
-          <a:p>
+              <a:t>Veerle Geysels</a:t>
+            </a:r>
+          </a:p>
+          <a:p>
+            <a:r>
+              <a:rPr lang="en-US" sz="1600" dirty="0" err="1"/>
+              <a:t>Jeriel</a:t>
+            </a:r>
             <a:r>
               <a:rPr lang="en-US" sz="1600" dirty="0"/>
-              <a:t>Joost Bosman </a:t>
+              <a:t> De Wilde</a:t>
+            </a:r>
+          </a:p>
+          <a:p>
+            <a:r>
+              <a:rPr lang="en-US" sz="1600" dirty="0"/>
+              <a:t>Daan Spoor</a:t>
+            </a:r>
+          </a:p>
+          <a:p>
+            <a:r>
+              <a:rPr lang="en-US" sz="1600" dirty="0"/>
+              <a:t>Merlijn Voskamp</a:t>
             </a:r>
           </a:p>
         </p:txBody>
       </p:sp>
       <p:pic>
         <p:nvPicPr>
-          <p:cNvPr id="6" name="Afbeelding 5" descr="Afbeelding met teken, straat, klok&#10;&#10;Automatisch gegenereerde beschrijving">
+          <p:cNvPr id="4" name="Afbeelding 3">
             <a:extLst>
               <a:ext uri="{FF2B5EF4-FFF2-40B4-BE49-F238E27FC236}">
-                <a16:creationId xmlns:a16="http://schemas.microsoft.com/office/drawing/2014/main" id="{9E62653B-F0E9-4977-8137-E98271929E19}"/>
+                <a16:creationId xmlns:a16="http://schemas.microsoft.com/office/drawing/2014/main" id="{503B6B94-3625-447B-ADC3-75E3C3BE06C8}"/>
               </a:ext>
             </a:extLst>
           </p:cNvPr>
@@ -8450,35 +8725,19 @@
           <p:nvPr/>
         </p:nvPicPr>
         <p:blipFill>
-          <a:blip r:embed="rId4">
-            <a:extLst>
-              <a:ext uri="{28A0092B-C50C-407E-A947-70E740481C1C}">
-                <a14:useLocalDpi xmlns:a14="http://schemas.microsoft.com/office/drawing/2010/main" val="0"/>
-              </a:ext>
-            </a:extLst>
-          </a:blip>
+          <a:blip r:embed="rId4"/>
           <a:stretch>
             <a:fillRect/>
           </a:stretch>
         </p:blipFill>
         <p:spPr>
           <a:xfrm>
-            <a:off x="8187091" y="855453"/>
-            <a:ext cx="3358478" cy="5147093"/>
+            <a:off x="3953397" y="2043568"/>
+            <a:ext cx="3914775" cy="742950"/>
           </a:xfrm>
           <a:prstGeom prst="rect">
             <a:avLst/>
           </a:prstGeom>
-          <a:ln>
-            <a:noFill/>
-          </a:ln>
-          <a:effectLst>
-            <a:outerShdw blurRad="76200" dist="63500" dir="5040000" algn="tl" rotWithShape="0">
-              <a:srgbClr val="000000">
-                <a:alpha val="41000"/>
-              </a:srgbClr>
-            </a:outerShdw>
-          </a:effectLst>
         </p:spPr>
       </p:pic>
     </p:spTree>
@@ -8575,10 +8834,9 @@
           <a:lstStyle/>
           <a:p>
             <a:r>
-              <a:rPr lang="en-US"/>
+              <a:rPr lang="en-US" dirty="0"/>
               <a:t>Het project</a:t>
             </a:r>
-            <a:endParaRPr lang="en-US" dirty="0"/>
           </a:p>
         </p:txBody>
       </p:sp>
@@ -8601,12 +8859,12 @@
         <p:spPr>
           <a:xfrm>
             <a:off x="680322" y="2336873"/>
-            <a:ext cx="4931045" cy="3599316"/>
+            <a:ext cx="6549152" cy="3599316"/>
           </a:xfrm>
         </p:spPr>
         <p:txBody>
           <a:bodyPr>
-            <a:normAutofit fontScale="92500" lnSpcReduction="10000"/>
+            <a:normAutofit lnSpcReduction="10000"/>
           </a:bodyPr>
           <a:lstStyle/>
           <a:p>
@@ -8617,31 +8875,93 @@
               <a:rPr lang="nl-NL" dirty="0"/>
               <a:t>De opdracht: </a:t>
             </a:r>
-            <a:endParaRPr lang="nl-NL" sz="4800" dirty="0"/>
-          </a:p>
-          <a:p>
-            <a:pPr fontAlgn="base"/>
+          </a:p>
+          <a:p>
+            <a:pPr marL="0" indent="0" fontAlgn="base">
+              <a:buNone/>
+            </a:pPr>
+            <a:r>
+              <a:rPr lang="nl-NL" sz="1800" dirty="0"/>
+              <a:t>-De klant wilt een lichtkruis om </a:t>
+            </a:r>
+            <a:r>
+              <a:rPr lang="nl-NL" sz="1800" dirty="0" err="1"/>
+              <a:t>landings</a:t>
+            </a:r>
+            <a:r>
+              <a:rPr lang="nl-NL" sz="1800" dirty="0"/>
+              <a:t> banen af te kunnen sluiten voor inkomende luchtverkeer.</a:t>
+            </a:r>
+          </a:p>
+          <a:p>
+            <a:pPr marL="0" indent="0" fontAlgn="base">
+              <a:buNone/>
+            </a:pPr>
             <a:r>
               <a:rPr lang="nl-NL" dirty="0"/>
-              <a:t>Danny Esseling is de opdracht gever</a:t>
-            </a:r>
-            <a:endParaRPr lang="nl-NL" sz="4800" dirty="0"/>
-          </a:p>
-          <a:p>
-            <a:pPr fontAlgn="base"/>
-            <a:r>
-              <a:rPr lang="nl-NL" dirty="0"/>
-              <a:t>Het doel is om een tomaat te kweken die het zelfde smaakt als die uit </a:t>
-            </a:r>
-            <a:r>
-              <a:rPr lang="nl-NL" dirty="0" err="1"/>
-              <a:t>Italie</a:t>
-            </a:r>
-            <a:r>
-              <a:rPr lang="nl-NL" dirty="0"/>
-              <a:t> komt. De klant wil een prototype van een systeem dat de plant automatisch water kan geven en een lamp kan aansturen om meer of minder licht te geven wanneer dit nodig is. </a:t>
-            </a:r>
-            <a:endParaRPr lang="nl-NL" sz="4800" dirty="0"/>
+              <a:t>Eisen:</a:t>
+            </a:r>
+          </a:p>
+          <a:p>
+            <a:pPr marL="0" indent="0" fontAlgn="base">
+              <a:buNone/>
+            </a:pPr>
+            <a:r>
+              <a:rPr lang="nl-NL" sz="1800" dirty="0"/>
+              <a:t>-Opvouwbaar kruis</a:t>
+            </a:r>
+          </a:p>
+          <a:p>
+            <a:pPr marL="0" indent="0" fontAlgn="base">
+              <a:buNone/>
+            </a:pPr>
+            <a:r>
+              <a:rPr lang="nl-NL" sz="1800" dirty="0"/>
+              <a:t>-</a:t>
+            </a:r>
+            <a:r>
+              <a:rPr lang="nl-NL" sz="1800" dirty="0" err="1"/>
+              <a:t>Opbouwbaar</a:t>
+            </a:r>
+            <a:r>
+              <a:rPr lang="nl-NL" sz="1800" dirty="0"/>
+              <a:t> door één persoon</a:t>
+            </a:r>
+          </a:p>
+          <a:p>
+            <a:pPr marL="0" indent="0" fontAlgn="base">
+              <a:buNone/>
+            </a:pPr>
+            <a:r>
+              <a:rPr lang="nl-NL" sz="1800" dirty="0"/>
+              <a:t>-Interne stroomvoorziening</a:t>
+            </a:r>
+          </a:p>
+          <a:p>
+            <a:pPr marL="0" indent="0" fontAlgn="base">
+              <a:buNone/>
+            </a:pPr>
+            <a:r>
+              <a:rPr lang="nl-NL" sz="1800" dirty="0"/>
+              <a:t>-Moet passen op bestaande kar</a:t>
+            </a:r>
+          </a:p>
+          <a:p>
+            <a:pPr marL="0" indent="0" fontAlgn="base">
+              <a:buNone/>
+            </a:pPr>
+            <a:r>
+              <a:rPr lang="nl-NL" sz="1800" dirty="0"/>
+              <a:t>-Moet als minimum middelzware weersomstandigheden kunnen </a:t>
+            </a:r>
+            <a:r>
+              <a:rPr lang="nl-NL" sz="1800" dirty="0" err="1"/>
+              <a:t>weeerstaan</a:t>
+            </a:r>
+            <a:r>
+              <a:rPr lang="nl-NL" sz="1800" dirty="0"/>
+              <a:t>.</a:t>
+            </a:r>
           </a:p>
           <a:p>
             <a:pPr marL="457200" lvl="1" indent="0">
@@ -8669,10 +8989,10 @@
       </p:sp>
       <p:pic>
         <p:nvPicPr>
-          <p:cNvPr id="6" name="Afbeelding 5">
+          <p:cNvPr id="5" name="Afbeelding 4">
             <a:extLst>
               <a:ext uri="{FF2B5EF4-FFF2-40B4-BE49-F238E27FC236}">
-                <a16:creationId xmlns:a16="http://schemas.microsoft.com/office/drawing/2014/main" id="{0F51CA84-0B00-4022-9778-E4D2DA5C431E}"/>
+                <a16:creationId xmlns:a16="http://schemas.microsoft.com/office/drawing/2014/main" id="{CB2335EB-6028-4849-A326-1B317F3495BB}"/>
               </a:ext>
             </a:extLst>
           </p:cNvPr>
@@ -8681,32 +9001,141 @@
           </p:cNvPicPr>
           <p:nvPr/>
         </p:nvPicPr>
-        <p:blipFill>
-          <a:blip r:embed="rId2"/>
-          <a:stretch>
-            <a:fillRect/>
-          </a:stretch>
+        <p:blipFill rotWithShape="1">
+          <a:blip r:embed="rId2">
+            <a:extLst>
+              <a:ext uri="{28A0092B-C50C-407E-A947-70E740481C1C}">
+                <a14:useLocalDpi xmlns:a14="http://schemas.microsoft.com/office/drawing/2010/main" val="0"/>
+              </a:ext>
+            </a:extLst>
+          </a:blip>
+          <a:srcRect l="3086" t="14582" r="1852" b="29445"/>
+          <a:stretch/>
         </p:blipFill>
         <p:spPr>
-          <a:xfrm>
-            <a:off x="6095999" y="2561913"/>
-            <a:ext cx="4198182" cy="3148636"/>
+          <a:xfrm rot="16200000">
+            <a:off x="7300886" y="397993"/>
+            <a:ext cx="3054845" cy="3197669"/>
           </a:xfrm>
           <a:prstGeom prst="rect">
             <a:avLst/>
           </a:prstGeom>
-          <a:ln>
-            <a:noFill/>
-          </a:ln>
-          <a:effectLst>
-            <a:outerShdw blurRad="76200" dist="63500" dir="5040000" algn="tl" rotWithShape="0">
-              <a:srgbClr val="000000">
-                <a:alpha val="41000"/>
-              </a:srgbClr>
-            </a:outerShdw>
-          </a:effectLst>
         </p:spPr>
       </p:pic>
+      <p:pic>
+        <p:nvPicPr>
+          <p:cNvPr id="9" name="Afbeelding 8" descr="Afbeelding met whiteboard, tekst&#10;&#10;Automatisch gegenereerde beschrijving">
+            <a:extLst>
+              <a:ext uri="{FF2B5EF4-FFF2-40B4-BE49-F238E27FC236}">
+                <a16:creationId xmlns:a16="http://schemas.microsoft.com/office/drawing/2014/main" id="{B211ADB7-9DAD-4432-B69C-D0CEB473F51D}"/>
+              </a:ext>
+            </a:extLst>
+          </p:cNvPr>
+          <p:cNvPicPr>
+            <a:picLocks noChangeAspect="1"/>
+          </p:cNvPicPr>
+          <p:nvPr/>
+        </p:nvPicPr>
+        <p:blipFill rotWithShape="1">
+          <a:blip r:embed="rId3">
+            <a:extLst>
+              <a:ext uri="{28A0092B-C50C-407E-A947-70E740481C1C}">
+                <a14:useLocalDpi xmlns:a14="http://schemas.microsoft.com/office/drawing/2010/main" val="0"/>
+              </a:ext>
+            </a:extLst>
+          </a:blip>
+          <a:srcRect l="1905" t="13441" r="4125" b="10983"/>
+          <a:stretch/>
+        </p:blipFill>
+        <p:spPr>
+          <a:xfrm rot="16200000">
+            <a:off x="7884795" y="2982475"/>
+            <a:ext cx="3060843" cy="4371485"/>
+          </a:xfrm>
+          <a:prstGeom prst="rect">
+            <a:avLst/>
+          </a:prstGeom>
+        </p:spPr>
+      </p:pic>
+      <p:sp>
+        <p:nvSpPr>
+          <p:cNvPr id="10" name="Tekstvak 9">
+            <a:extLst>
+              <a:ext uri="{FF2B5EF4-FFF2-40B4-BE49-F238E27FC236}">
+                <a16:creationId xmlns:a16="http://schemas.microsoft.com/office/drawing/2014/main" id="{244C3027-D222-45D0-A429-C7A7C2804364}"/>
+              </a:ext>
+            </a:extLst>
+          </p:cNvPr>
+          <p:cNvSpPr txBox="1"/>
+          <p:nvPr/>
+        </p:nvSpPr>
+        <p:spPr>
+          <a:xfrm>
+            <a:off x="7236709" y="3657625"/>
+            <a:ext cx="1228725" cy="369332"/>
+          </a:xfrm>
+          <a:prstGeom prst="rect">
+            <a:avLst/>
+          </a:prstGeom>
+          <a:noFill/>
+        </p:spPr>
+        <p:txBody>
+          <a:bodyPr wrap="square" rtlCol="0">
+            <a:spAutoFit/>
+          </a:bodyPr>
+          <a:lstStyle/>
+          <a:p>
+            <a:r>
+              <a:rPr lang="en-US" dirty="0">
+                <a:solidFill>
+                  <a:schemeClr val="bg1"/>
+                </a:solidFill>
+              </a:rPr>
+              <a:t>De Kar</a:t>
+            </a:r>
+          </a:p>
+        </p:txBody>
+      </p:sp>
+      <p:sp>
+        <p:nvSpPr>
+          <p:cNvPr id="11" name="Tekstvak 10">
+            <a:extLst>
+              <a:ext uri="{FF2B5EF4-FFF2-40B4-BE49-F238E27FC236}">
+                <a16:creationId xmlns:a16="http://schemas.microsoft.com/office/drawing/2014/main" id="{BFB6D808-C2E5-4146-AE48-B8DC60BE067F}"/>
+              </a:ext>
+            </a:extLst>
+          </p:cNvPr>
+          <p:cNvSpPr txBox="1"/>
+          <p:nvPr/>
+        </p:nvSpPr>
+        <p:spPr>
+          <a:xfrm>
+            <a:off x="7229474" y="511789"/>
+            <a:ext cx="2210170" cy="369332"/>
+          </a:xfrm>
+          <a:prstGeom prst="rect">
+            <a:avLst/>
+          </a:prstGeom>
+          <a:noFill/>
+        </p:spPr>
+        <p:txBody>
+          <a:bodyPr wrap="square" rtlCol="0">
+            <a:spAutoFit/>
+          </a:bodyPr>
+          <a:lstStyle/>
+          <a:p>
+            <a:r>
+              <a:rPr lang="en-US" dirty="0"/>
+              <a:t>Concept </a:t>
+            </a:r>
+            <a:r>
+              <a:rPr lang="en-US" dirty="0" err="1"/>
+              <a:t>Tekening</a:t>
+            </a:r>
+            <a:endParaRPr lang="en-US" dirty="0"/>
+          </a:p>
+        </p:txBody>
+      </p:sp>
     </p:spTree>
     <p:extLst>
       <p:ext uri="{BB962C8B-B14F-4D97-AF65-F5344CB8AC3E}">
@@ -8721,6 +9150,269 @@
 </file>
 
 <file path=ppt/slides/slide3.xml><?xml version="1.0" encoding="utf-8"?>
+<p:sld xmlns:a="http://schemas.openxmlformats.org/drawingml/2006/main" xmlns:r="http://schemas.openxmlformats.org/officeDocument/2006/relationships" xmlns:p="http://schemas.openxmlformats.org/presentationml/2006/main">
+  <p:cSld>
+    <p:spTree>
+      <p:nvGrpSpPr>
+        <p:cNvPr id="1" name=""/>
+        <p:cNvGrpSpPr/>
+        <p:nvPr/>
+      </p:nvGrpSpPr>
+      <p:grpSpPr>
+        <a:xfrm>
+          <a:off x="0" y="0"/>
+          <a:ext cx="0" cy="0"/>
+          <a:chOff x="0" y="0"/>
+          <a:chExt cx="0" cy="0"/>
+        </a:xfrm>
+      </p:grpSpPr>
+      <p:sp>
+        <p:nvSpPr>
+          <p:cNvPr id="2" name="Titel 1">
+            <a:extLst>
+              <a:ext uri="{FF2B5EF4-FFF2-40B4-BE49-F238E27FC236}">
+                <a16:creationId xmlns:a16="http://schemas.microsoft.com/office/drawing/2014/main" id="{E78095EE-1AE3-4274-8175-3E80B3C2A849}"/>
+              </a:ext>
+            </a:extLst>
+          </p:cNvPr>
+          <p:cNvSpPr>
+            <a:spLocks noGrp="1"/>
+          </p:cNvSpPr>
+          <p:nvPr>
+            <p:ph type="title"/>
+          </p:nvPr>
+        </p:nvSpPr>
+        <p:spPr/>
+        <p:txBody>
+          <a:bodyPr/>
+          <a:lstStyle/>
+          <a:p>
+            <a:r>
+              <a:rPr lang="en-US" dirty="0" err="1"/>
+              <a:t>Resultaten</a:t>
+            </a:r>
+            <a:r>
+              <a:rPr lang="en-US" dirty="0"/>
+              <a:t>:</a:t>
+            </a:r>
+          </a:p>
+        </p:txBody>
+      </p:sp>
+      <p:sp>
+        <p:nvSpPr>
+          <p:cNvPr id="3" name="Tijdelijke aanduiding voor inhoud 2">
+            <a:extLst>
+              <a:ext uri="{FF2B5EF4-FFF2-40B4-BE49-F238E27FC236}">
+                <a16:creationId xmlns:a16="http://schemas.microsoft.com/office/drawing/2014/main" id="{2F1E38A0-861F-4665-B89A-D4069488A4CB}"/>
+              </a:ext>
+            </a:extLst>
+          </p:cNvPr>
+          <p:cNvSpPr>
+            <a:spLocks noGrp="1"/>
+          </p:cNvSpPr>
+          <p:nvPr>
+            <p:ph idx="1"/>
+          </p:nvPr>
+        </p:nvSpPr>
+        <p:spPr>
+          <a:xfrm>
+            <a:off x="680322" y="2336873"/>
+            <a:ext cx="5223328" cy="3599316"/>
+          </a:xfrm>
+        </p:spPr>
+        <p:txBody>
+          <a:bodyPr/>
+          <a:lstStyle/>
+          <a:p>
+            <a:r>
+              <a:rPr lang="en-US" dirty="0"/>
+              <a:t>In </a:t>
+            </a:r>
+            <a:r>
+              <a:rPr lang="en-US" dirty="0" err="1"/>
+              <a:t>samenwerking</a:t>
+            </a:r>
+            <a:r>
+              <a:rPr lang="en-US" dirty="0"/>
+              <a:t> met </a:t>
+            </a:r>
+            <a:r>
+              <a:rPr lang="en-US" dirty="0" err="1"/>
+              <a:t>stagair</a:t>
+            </a:r>
+            <a:r>
+              <a:rPr lang="en-US" dirty="0"/>
+              <a:t> </a:t>
+            </a:r>
+            <a:r>
+              <a:rPr lang="en-US" dirty="0" err="1"/>
+              <a:t>bij</a:t>
+            </a:r>
+            <a:r>
+              <a:rPr lang="en-US" dirty="0"/>
+              <a:t> Holland Aviation</a:t>
+            </a:r>
+          </a:p>
+          <a:p>
+            <a:r>
+              <a:rPr lang="en-US" dirty="0"/>
+              <a:t>Een </a:t>
+            </a:r>
+            <a:r>
+              <a:rPr lang="en-US" dirty="0" err="1"/>
+              <a:t>volledig</a:t>
+            </a:r>
+            <a:r>
+              <a:rPr lang="en-US" dirty="0"/>
+              <a:t> </a:t>
+            </a:r>
+            <a:r>
+              <a:rPr lang="en-US" dirty="0" err="1"/>
+              <a:t>teken</a:t>
+            </a:r>
+            <a:r>
+              <a:rPr lang="en-US" dirty="0"/>
+              <a:t> </a:t>
+            </a:r>
+            <a:r>
+              <a:rPr lang="en-US" dirty="0" err="1"/>
+              <a:t>pakket</a:t>
+            </a:r>
+            <a:endParaRPr lang="en-US" dirty="0"/>
+          </a:p>
+          <a:p>
+            <a:endParaRPr lang="en-US" dirty="0"/>
+          </a:p>
+          <a:p>
+            <a:endParaRPr lang="en-US" dirty="0"/>
+          </a:p>
+          <a:p>
+            <a:r>
+              <a:rPr lang="en-US" dirty="0" err="1"/>
+              <a:t>Beter</a:t>
+            </a:r>
+            <a:r>
+              <a:rPr lang="en-US" dirty="0"/>
+              <a:t> </a:t>
+            </a:r>
+            <a:r>
+              <a:rPr lang="en-US" dirty="0" err="1"/>
+              <a:t>leren</a:t>
+            </a:r>
+            <a:r>
+              <a:rPr lang="en-US" dirty="0"/>
+              <a:t> </a:t>
+            </a:r>
+            <a:r>
+              <a:rPr lang="en-US" dirty="0" err="1"/>
+              <a:t>plannen</a:t>
+            </a:r>
+            <a:endParaRPr lang="en-US" dirty="0"/>
+          </a:p>
+          <a:p>
+            <a:r>
+              <a:rPr lang="en-US" dirty="0" err="1"/>
+              <a:t>Verbeterde</a:t>
+            </a:r>
+            <a:r>
+              <a:rPr lang="en-US" dirty="0"/>
+              <a:t> </a:t>
+            </a:r>
+            <a:r>
+              <a:rPr lang="en-US" dirty="0" err="1"/>
+              <a:t>samenwerking</a:t>
+            </a:r>
+            <a:endParaRPr lang="en-US" dirty="0"/>
+          </a:p>
+          <a:p>
+            <a:r>
+              <a:rPr lang="en-US" dirty="0" err="1"/>
+              <a:t>Beter</a:t>
+            </a:r>
+            <a:r>
+              <a:rPr lang="en-US" dirty="0"/>
+              <a:t> </a:t>
+            </a:r>
+            <a:r>
+              <a:rPr lang="en-US" dirty="0" err="1"/>
+              <a:t>communicatie</a:t>
+            </a:r>
+            <a:endParaRPr lang="en-US" dirty="0"/>
+          </a:p>
+        </p:txBody>
+      </p:sp>
+      <p:pic>
+        <p:nvPicPr>
+          <p:cNvPr id="4" name="Afbeelding 3">
+            <a:extLst>
+              <a:ext uri="{FF2B5EF4-FFF2-40B4-BE49-F238E27FC236}">
+                <a16:creationId xmlns:a16="http://schemas.microsoft.com/office/drawing/2014/main" id="{44CE6B65-5E25-4768-A6B4-309B5BE64A34}"/>
+              </a:ext>
+            </a:extLst>
+          </p:cNvPr>
+          <p:cNvPicPr>
+            <a:picLocks noChangeAspect="1"/>
+          </p:cNvPicPr>
+          <p:nvPr/>
+        </p:nvPicPr>
+        <p:blipFill rotWithShape="1">
+          <a:blip r:embed="rId2"/>
+          <a:srcRect l="28834" t="2521" r="25788" b="13026"/>
+          <a:stretch/>
+        </p:blipFill>
+        <p:spPr>
+          <a:xfrm>
+            <a:off x="8505825" y="2076449"/>
+            <a:ext cx="3305175" cy="3460103"/>
+          </a:xfrm>
+          <a:prstGeom prst="rect">
+            <a:avLst/>
+          </a:prstGeom>
+        </p:spPr>
+      </p:pic>
+      <p:pic>
+        <p:nvPicPr>
+          <p:cNvPr id="6" name="Afbeelding 5">
+            <a:extLst>
+              <a:ext uri="{FF2B5EF4-FFF2-40B4-BE49-F238E27FC236}">
+                <a16:creationId xmlns:a16="http://schemas.microsoft.com/office/drawing/2014/main" id="{168549A0-4C7C-4BAC-8DDC-59B9D822BA83}"/>
+              </a:ext>
+            </a:extLst>
+          </p:cNvPr>
+          <p:cNvPicPr>
+            <a:picLocks noChangeAspect="1"/>
+          </p:cNvPicPr>
+          <p:nvPr/>
+        </p:nvPicPr>
+        <p:blipFill rotWithShape="1">
+          <a:blip r:embed="rId3"/>
+          <a:srcRect l="26798" t="14445" r="31405" b="26744"/>
+          <a:stretch/>
+        </p:blipFill>
+        <p:spPr>
+          <a:xfrm>
+            <a:off x="4952955" y="3091360"/>
+            <a:ext cx="3328914" cy="2634738"/>
+          </a:xfrm>
+          <a:prstGeom prst="rect">
+            <a:avLst/>
+          </a:prstGeom>
+        </p:spPr>
+      </p:pic>
+    </p:spTree>
+    <p:extLst>
+      <p:ext uri="{BB962C8B-B14F-4D97-AF65-F5344CB8AC3E}">
+        <p14:creationId xmlns:p14="http://schemas.microsoft.com/office/powerpoint/2010/main" val="294859702"/>
+      </p:ext>
+    </p:extLst>
+  </p:cSld>
+  <p:clrMapOvr>
+    <a:masterClrMapping/>
+  </p:clrMapOvr>
+</p:sld>
+</file>
+
+<file path=ppt/slides/slide4.xml><?xml version="1.0" encoding="utf-8"?>
 <p:sld xmlns:a="http://schemas.openxmlformats.org/drawingml/2006/main" xmlns:r="http://schemas.openxmlformats.org/officeDocument/2006/relationships" xmlns:p="http://schemas.openxmlformats.org/presentationml/2006/main">
   <p:cSld>
     <p:bg>
@@ -8801,223 +9493,9 @@
           <a:lstStyle/>
           <a:p>
             <a:r>
-              <a:rPr lang="en-US" dirty="0" err="1"/>
-              <a:t>Voortgang</a:t>
-            </a:r>
-            <a:r>
               <a:rPr lang="en-US" dirty="0"/>
-              <a:t>:</a:t>
-            </a:r>
-          </a:p>
-        </p:txBody>
-      </p:sp>
-      <p:sp>
-        <p:nvSpPr>
-          <p:cNvPr id="3" name="Tijdelijke aanduiding voor inhoud 2">
-            <a:extLst>
-              <a:ext uri="{FF2B5EF4-FFF2-40B4-BE49-F238E27FC236}">
-                <a16:creationId xmlns:a16="http://schemas.microsoft.com/office/drawing/2014/main" id="{A62341D0-93E8-4F5C-83A2-4D27D588E505}"/>
-              </a:ext>
-            </a:extLst>
-          </p:cNvPr>
-          <p:cNvSpPr>
-            <a:spLocks noGrp="1"/>
-          </p:cNvSpPr>
-          <p:nvPr>
-            <p:ph idx="1"/>
-          </p:nvPr>
-        </p:nvSpPr>
-        <p:spPr>
-          <a:xfrm>
-            <a:off x="731454" y="2586027"/>
-            <a:ext cx="4378958" cy="3599316"/>
-          </a:xfrm>
-        </p:spPr>
-        <p:txBody>
-          <a:bodyPr vert="horz" lIns="91440" tIns="45720" rIns="91440" bIns="45720" rtlCol="0" anchor="t">
-            <a:normAutofit/>
-          </a:bodyPr>
-          <a:lstStyle/>
-          <a:p>
-            <a:pPr marL="0" indent="0">
-              <a:buNone/>
-            </a:pPr>
-            <a:r>
-              <a:rPr lang="en-US" sz="2000" dirty="0" err="1"/>
-              <a:t>Documentatie</a:t>
-            </a:r>
-            <a:r>
-              <a:rPr lang="en-US" sz="2000" dirty="0"/>
-              <a:t>:</a:t>
-            </a:r>
-          </a:p>
-          <a:p>
-            <a:pPr marL="0" indent="0">
-              <a:buNone/>
-            </a:pPr>
-            <a:r>
-              <a:rPr lang="en-US" sz="2000" dirty="0"/>
-              <a:t>-</a:t>
-            </a:r>
-            <a:r>
-              <a:rPr lang="en-US" sz="2000" dirty="0" err="1"/>
-              <a:t>Leerofferte</a:t>
-            </a:r>
-            <a:r>
-              <a:rPr lang="en-US" sz="2000" dirty="0">
-                <a:ea typeface="+mn-lt"/>
-                <a:cs typeface="+mn-lt"/>
-              </a:rPr>
-              <a:t>                ~ </a:t>
-            </a:r>
-            <a:r>
-              <a:rPr lang="en-US" sz="1400" i="1" dirty="0">
-                <a:ea typeface="+mn-lt"/>
-                <a:cs typeface="+mn-lt"/>
-              </a:rPr>
-              <a:t>100% </a:t>
-            </a:r>
-            <a:r>
-              <a:rPr lang="en-US" sz="1400" i="1" dirty="0" err="1">
-                <a:ea typeface="+mn-lt"/>
-                <a:cs typeface="+mn-lt"/>
-              </a:rPr>
-              <a:t>klaar</a:t>
-            </a:r>
-            <a:endParaRPr lang="en-US" sz="1400" i="1" dirty="0">
-              <a:ea typeface="+mn-lt"/>
-              <a:cs typeface="+mn-lt"/>
-            </a:endParaRPr>
-          </a:p>
-          <a:p>
-            <a:pPr marL="0" indent="0">
-              <a:buNone/>
-            </a:pPr>
-            <a:r>
-              <a:rPr lang="en-US" sz="2000" dirty="0"/>
-              <a:t>-</a:t>
-            </a:r>
-            <a:r>
-              <a:rPr lang="en-US" sz="2000" dirty="0" err="1"/>
-              <a:t>Functioneel</a:t>
-            </a:r>
-            <a:r>
-              <a:rPr lang="en-US" sz="2000" dirty="0"/>
-              <a:t> </a:t>
-            </a:r>
-            <a:r>
-              <a:rPr lang="en-US" sz="2000" dirty="0" err="1"/>
-              <a:t>ontwerp</a:t>
-            </a:r>
-            <a:r>
-              <a:rPr lang="en-US" sz="2000" dirty="0">
-                <a:ea typeface="+mn-lt"/>
-                <a:cs typeface="+mn-lt"/>
-              </a:rPr>
-              <a:t>  ~ </a:t>
-            </a:r>
-            <a:r>
-              <a:rPr lang="en-US" sz="1400" i="1" dirty="0">
-                <a:ea typeface="+mn-lt"/>
-                <a:cs typeface="+mn-lt"/>
-              </a:rPr>
-              <a:t>100% </a:t>
-            </a:r>
-            <a:r>
-              <a:rPr lang="en-US" sz="1400" i="1" dirty="0" err="1">
-                <a:ea typeface="+mn-lt"/>
-                <a:cs typeface="+mn-lt"/>
-              </a:rPr>
-              <a:t>Klaar</a:t>
-            </a:r>
-            <a:endParaRPr lang="en-US" sz="1400" i="1" dirty="0">
-              <a:ea typeface="+mn-lt"/>
-              <a:cs typeface="+mn-lt"/>
-            </a:endParaRPr>
-          </a:p>
-          <a:p>
-            <a:pPr marL="0" indent="0">
-              <a:buNone/>
-            </a:pPr>
-            <a:r>
-              <a:rPr lang="en-US" sz="2000" dirty="0"/>
-              <a:t>-</a:t>
-            </a:r>
-            <a:r>
-              <a:rPr lang="en-US" sz="2000" dirty="0" err="1"/>
-              <a:t>Technisch</a:t>
-            </a:r>
-            <a:r>
-              <a:rPr lang="en-US" sz="2000" dirty="0"/>
-              <a:t> </a:t>
-            </a:r>
-            <a:r>
-              <a:rPr lang="en-US" sz="2000" dirty="0" err="1"/>
-              <a:t>ontwerp</a:t>
-            </a:r>
-            <a:r>
-              <a:rPr lang="en-US" sz="2000" dirty="0">
-                <a:ea typeface="+mn-lt"/>
-                <a:cs typeface="+mn-lt"/>
-              </a:rPr>
-              <a:t>     ~ </a:t>
-            </a:r>
-            <a:r>
-              <a:rPr lang="en-US" sz="1400" i="1" dirty="0">
-                <a:ea typeface="+mn-lt"/>
-                <a:cs typeface="+mn-lt"/>
-              </a:rPr>
-              <a:t>100% </a:t>
-            </a:r>
-            <a:r>
-              <a:rPr lang="en-US" sz="1400" i="1" dirty="0" err="1">
-                <a:ea typeface="+mn-lt"/>
-                <a:cs typeface="+mn-lt"/>
-              </a:rPr>
-              <a:t>Klaar</a:t>
-            </a:r>
-            <a:endParaRPr lang="en-US" sz="1400" i="1" dirty="0">
-              <a:ea typeface="+mn-lt"/>
-              <a:cs typeface="+mn-lt"/>
-            </a:endParaRPr>
-          </a:p>
-          <a:p>
-            <a:pPr marL="0" indent="0">
-              <a:buNone/>
-            </a:pPr>
-            <a:r>
-              <a:rPr lang="en-US" sz="2000" dirty="0"/>
-              <a:t>-</a:t>
-            </a:r>
-            <a:r>
-              <a:rPr lang="en-US" sz="2000" dirty="0" err="1"/>
-              <a:t>Handleiding</a:t>
-            </a:r>
-            <a:r>
-              <a:rPr lang="en-US" sz="2000" dirty="0"/>
-              <a:t> 	          ~  </a:t>
-            </a:r>
-            <a:r>
-              <a:rPr lang="en-US" sz="1400" dirty="0"/>
-              <a:t>60% </a:t>
-            </a:r>
-            <a:r>
-              <a:rPr lang="en-US" sz="1400" dirty="0" err="1"/>
-              <a:t>Klaar</a:t>
-            </a:r>
-            <a:endParaRPr lang="en-US" sz="2000" dirty="0"/>
-          </a:p>
-          <a:p>
-            <a:pPr marL="0" indent="0">
-              <a:buNone/>
-            </a:pPr>
-            <a:endParaRPr lang="en-US" sz="2000" dirty="0"/>
-          </a:p>
-          <a:p>
-            <a:pPr marL="0" indent="0">
-              <a:buNone/>
-            </a:pPr>
-            <a:endParaRPr lang="en-US" sz="2000" dirty="0"/>
+              <a:t>De loop van het project</a:t>
+            </a:r>
           </a:p>
         </p:txBody>
       </p:sp>
@@ -9217,139 +9695,383 @@
               <a:buFont typeface="Arial" panose="020B0604020202020204" pitchFamily="34" charset="0"/>
               <a:buNone/>
             </a:pPr>
-            <a:r>
-              <a:rPr lang="en-US" sz="2000" dirty="0"/>
-              <a:t>Test </a:t>
-            </a:r>
-            <a:r>
-              <a:rPr lang="en-US" sz="2000" dirty="0" err="1"/>
-              <a:t>omgeving</a:t>
-            </a:r>
-            <a:r>
-              <a:rPr lang="en-US" sz="2000" dirty="0"/>
+            <a:endParaRPr lang="en-US" sz="2000" dirty="0"/>
+          </a:p>
+        </p:txBody>
+      </p:sp>
+      <p:sp>
+        <p:nvSpPr>
+          <p:cNvPr id="9" name="Tijdelijke aanduiding voor inhoud 2">
+            <a:extLst>
+              <a:ext uri="{FF2B5EF4-FFF2-40B4-BE49-F238E27FC236}">
+                <a16:creationId xmlns:a16="http://schemas.microsoft.com/office/drawing/2014/main" id="{C5C57A8C-5D47-4F86-86B2-B37B00766DD7}"/>
+              </a:ext>
+            </a:extLst>
+          </p:cNvPr>
+          <p:cNvSpPr>
+            <a:spLocks noGrp="1"/>
+          </p:cNvSpPr>
+          <p:nvPr>
+            <p:ph idx="1"/>
+          </p:nvPr>
+        </p:nvSpPr>
+        <p:spPr>
+          <a:xfrm>
+            <a:off x="680322" y="2336873"/>
+            <a:ext cx="4992509" cy="3599316"/>
+          </a:xfrm>
+        </p:spPr>
+        <p:txBody>
+          <a:bodyPr>
+            <a:normAutofit/>
+          </a:bodyPr>
+          <a:lstStyle/>
+          <a:p>
+            <a:pPr marL="0" indent="0" fontAlgn="base">
+              <a:buNone/>
+            </a:pPr>
+            <a:r>
+              <a:rPr lang="nl-NL" sz="1800" dirty="0"/>
+              <a:t>Pros:</a:t>
+            </a:r>
+          </a:p>
+          <a:p>
+            <a:pPr marL="0" indent="0" fontAlgn="base">
+              <a:buNone/>
+            </a:pPr>
+            <a:r>
+              <a:rPr lang="nl-NL" sz="1800" dirty="0"/>
+              <a:t>-De verschillende opleidingen kunnen elkaar goed aanvullen.</a:t>
+            </a:r>
+          </a:p>
+          <a:p>
+            <a:pPr marL="0" indent="0" fontAlgn="base">
+              <a:buNone/>
+            </a:pPr>
+            <a:r>
+              <a:rPr lang="nl-NL" sz="1800" dirty="0"/>
+              <a:t>-Het hebben van een echte opdrachtgever werkt motiverend.</a:t>
+            </a:r>
+          </a:p>
+          <a:p>
+            <a:pPr marL="0" indent="0" fontAlgn="base">
+              <a:buNone/>
+            </a:pPr>
+            <a:r>
+              <a:rPr lang="nl-NL" sz="1800" dirty="0"/>
+              <a:t>-Een grote projectgroep kan veel werk verrichten.</a:t>
+            </a:r>
+          </a:p>
+          <a:p>
+            <a:pPr marL="0" indent="0" fontAlgn="base">
+              <a:buNone/>
+            </a:pPr>
+            <a:endParaRPr lang="en-US" sz="1400" dirty="0"/>
+          </a:p>
+          <a:p>
+            <a:endParaRPr lang="en-US" sz="1400" dirty="0"/>
+          </a:p>
+          <a:p>
+            <a:pPr lvl="1"/>
+            <a:endParaRPr lang="en-US" sz="1400" dirty="0"/>
+          </a:p>
+          <a:p>
+            <a:pPr marL="457200" lvl="1" indent="0">
+              <a:buNone/>
+            </a:pPr>
+            <a:endParaRPr lang="en-US" sz="1400" dirty="0"/>
+          </a:p>
+          <a:p>
+            <a:endParaRPr lang="en-US" sz="1400" dirty="0"/>
+          </a:p>
+        </p:txBody>
+      </p:sp>
+      <p:sp>
+        <p:nvSpPr>
+          <p:cNvPr id="10" name="Tijdelijke aanduiding voor inhoud 2">
+            <a:extLst>
+              <a:ext uri="{FF2B5EF4-FFF2-40B4-BE49-F238E27FC236}">
+                <a16:creationId xmlns:a16="http://schemas.microsoft.com/office/drawing/2014/main" id="{A08A8E03-0317-4EBD-A978-BA8A357A41D9}"/>
+              </a:ext>
+            </a:extLst>
+          </p:cNvPr>
+          <p:cNvSpPr txBox="1">
+            <a:spLocks/>
+          </p:cNvSpPr>
+          <p:nvPr/>
+        </p:nvSpPr>
+        <p:spPr>
+          <a:xfrm>
+            <a:off x="6519169" y="2336873"/>
+            <a:ext cx="4992509" cy="3599316"/>
+          </a:xfrm>
+          <a:prstGeom prst="rect">
+            <a:avLst/>
+          </a:prstGeom>
+        </p:spPr>
+        <p:txBody>
+          <a:bodyPr vert="horz" lIns="91440" tIns="45720" rIns="91440" bIns="45720" rtlCol="0">
+            <a:normAutofit/>
+          </a:bodyPr>
+          <a:lstStyle>
+            <a:lvl1pPr marL="228600" indent="-228600" algn="l" defTabSz="914400" rtl="0" eaLnBrk="1" latinLnBrk="0" hangingPunct="1">
+              <a:lnSpc>
+                <a:spcPct val="90000"/>
+              </a:lnSpc>
+              <a:spcBef>
+                <a:spcPts val="1000"/>
+              </a:spcBef>
+              <a:buFont typeface="Arial" panose="020B0604020202020204" pitchFamily="34" charset="0"/>
+              <a:buChar char="•"/>
+              <a:defRPr sz="2400" kern="1200">
+                <a:solidFill>
+                  <a:schemeClr val="tx1"/>
+                </a:solidFill>
+                <a:latin typeface="+mn-lt"/>
+                <a:ea typeface="+mn-ea"/>
+                <a:cs typeface="+mn-cs"/>
+              </a:defRPr>
+            </a:lvl1pPr>
+            <a:lvl2pPr marL="685800" indent="-228600" algn="l" defTabSz="914400" rtl="0" eaLnBrk="1" latinLnBrk="0" hangingPunct="1">
+              <a:lnSpc>
+                <a:spcPct val="90000"/>
+              </a:lnSpc>
+              <a:spcBef>
+                <a:spcPts val="500"/>
+              </a:spcBef>
+              <a:buFont typeface="Arial" panose="020B0604020202020204" pitchFamily="34" charset="0"/>
+              <a:buChar char="•"/>
+              <a:defRPr sz="2000" kern="1200">
+                <a:solidFill>
+                  <a:schemeClr val="tx1"/>
+                </a:solidFill>
+                <a:latin typeface="+mn-lt"/>
+                <a:ea typeface="+mn-ea"/>
+                <a:cs typeface="+mn-cs"/>
+              </a:defRPr>
+            </a:lvl2pPr>
+            <a:lvl3pPr marL="1143000" indent="-228600" algn="l" defTabSz="914400" rtl="0" eaLnBrk="1" latinLnBrk="0" hangingPunct="1">
+              <a:lnSpc>
+                <a:spcPct val="90000"/>
+              </a:lnSpc>
+              <a:spcBef>
+                <a:spcPts val="500"/>
+              </a:spcBef>
+              <a:buFont typeface="Arial" panose="020B0604020202020204" pitchFamily="34" charset="0"/>
+              <a:buChar char="•"/>
+              <a:defRPr sz="1800" kern="1200">
+                <a:solidFill>
+                  <a:schemeClr val="tx1"/>
+                </a:solidFill>
+                <a:latin typeface="+mn-lt"/>
+                <a:ea typeface="+mn-ea"/>
+                <a:cs typeface="+mn-cs"/>
+              </a:defRPr>
+            </a:lvl3pPr>
+            <a:lvl4pPr marL="1600200" indent="-228600" algn="l" defTabSz="914400" rtl="0" eaLnBrk="1" latinLnBrk="0" hangingPunct="1">
+              <a:lnSpc>
+                <a:spcPct val="90000"/>
+              </a:lnSpc>
+              <a:spcBef>
+                <a:spcPts val="500"/>
+              </a:spcBef>
+              <a:buFont typeface="Arial" panose="020B0604020202020204" pitchFamily="34" charset="0"/>
+              <a:buChar char="•"/>
+              <a:defRPr sz="1600" kern="1200">
+                <a:solidFill>
+                  <a:schemeClr val="tx1"/>
+                </a:solidFill>
+                <a:latin typeface="+mn-lt"/>
+                <a:ea typeface="+mn-ea"/>
+                <a:cs typeface="+mn-cs"/>
+              </a:defRPr>
+            </a:lvl4pPr>
+            <a:lvl5pPr marL="2057400" indent="-228600" algn="l" defTabSz="914400" rtl="0" eaLnBrk="1" latinLnBrk="0" hangingPunct="1">
+              <a:lnSpc>
+                <a:spcPct val="90000"/>
+              </a:lnSpc>
+              <a:spcBef>
+                <a:spcPts val="500"/>
+              </a:spcBef>
+              <a:buFont typeface="Arial" panose="020B0604020202020204" pitchFamily="34" charset="0"/>
+              <a:buChar char="•"/>
+              <a:defRPr sz="1600" kern="1200">
+                <a:solidFill>
+                  <a:schemeClr val="tx1"/>
+                </a:solidFill>
+                <a:latin typeface="+mn-lt"/>
+                <a:ea typeface="+mn-ea"/>
+                <a:cs typeface="+mn-cs"/>
+              </a:defRPr>
+            </a:lvl5pPr>
+            <a:lvl6pPr marL="2514600" indent="-228600" algn="l" defTabSz="914400" rtl="0" eaLnBrk="1" latinLnBrk="0" hangingPunct="1">
+              <a:lnSpc>
+                <a:spcPct val="90000"/>
+              </a:lnSpc>
+              <a:spcBef>
+                <a:spcPts val="500"/>
+              </a:spcBef>
+              <a:buFont typeface="Arial" panose="020B0604020202020204" pitchFamily="34" charset="0"/>
+              <a:buChar char="•"/>
+              <a:defRPr sz="1400" kern="1200">
+                <a:solidFill>
+                  <a:schemeClr val="tx1"/>
+                </a:solidFill>
+                <a:latin typeface="+mn-lt"/>
+                <a:ea typeface="+mn-ea"/>
+                <a:cs typeface="+mn-cs"/>
+              </a:defRPr>
+            </a:lvl6pPr>
+            <a:lvl7pPr marL="2971800" indent="-228600" algn="l" defTabSz="914400" rtl="0" eaLnBrk="1" latinLnBrk="0" hangingPunct="1">
+              <a:lnSpc>
+                <a:spcPct val="90000"/>
+              </a:lnSpc>
+              <a:spcBef>
+                <a:spcPts val="500"/>
+              </a:spcBef>
+              <a:buFont typeface="Arial" panose="020B0604020202020204" pitchFamily="34" charset="0"/>
+              <a:buChar char="•"/>
+              <a:defRPr sz="1400" kern="1200">
+                <a:solidFill>
+                  <a:schemeClr val="tx1"/>
+                </a:solidFill>
+                <a:latin typeface="+mn-lt"/>
+                <a:ea typeface="+mn-ea"/>
+                <a:cs typeface="+mn-cs"/>
+              </a:defRPr>
+            </a:lvl7pPr>
+            <a:lvl8pPr marL="3429000" indent="-228600" algn="l" defTabSz="914400" rtl="0" eaLnBrk="1" latinLnBrk="0" hangingPunct="1">
+              <a:lnSpc>
+                <a:spcPct val="90000"/>
+              </a:lnSpc>
+              <a:spcBef>
+                <a:spcPts val="500"/>
+              </a:spcBef>
+              <a:buFont typeface="Arial" panose="020B0604020202020204" pitchFamily="34" charset="0"/>
+              <a:buChar char="•"/>
+              <a:defRPr sz="1400" kern="1200">
+                <a:solidFill>
+                  <a:schemeClr val="tx1"/>
+                </a:solidFill>
+                <a:latin typeface="+mn-lt"/>
+                <a:ea typeface="+mn-ea"/>
+                <a:cs typeface="+mn-cs"/>
+              </a:defRPr>
+            </a:lvl8pPr>
+            <a:lvl9pPr marL="3886200" indent="-228600" algn="l" defTabSz="914400" rtl="0" eaLnBrk="1" latinLnBrk="0" hangingPunct="1">
+              <a:lnSpc>
+                <a:spcPct val="90000"/>
+              </a:lnSpc>
+              <a:spcBef>
+                <a:spcPts val="500"/>
+              </a:spcBef>
+              <a:buFont typeface="Arial" panose="020B0604020202020204" pitchFamily="34" charset="0"/>
+              <a:buChar char="•"/>
+              <a:defRPr sz="1400" kern="1200">
+                <a:solidFill>
+                  <a:schemeClr val="tx1"/>
+                </a:solidFill>
+                <a:latin typeface="+mn-lt"/>
+                <a:ea typeface="+mn-ea"/>
+                <a:cs typeface="+mn-cs"/>
+              </a:defRPr>
+            </a:lvl9pPr>
+          </a:lstStyle>
+          <a:p>
+            <a:pPr marL="0" indent="0" fontAlgn="base">
+              <a:buFont typeface="Arial" panose="020B0604020202020204" pitchFamily="34" charset="0"/>
+              <a:buNone/>
+            </a:pPr>
+            <a:r>
+              <a:rPr lang="nl-NL" sz="1800" dirty="0" err="1"/>
+              <a:t>Cons</a:t>
+            </a:r>
+            <a:r>
+              <a:rPr lang="nl-NL" sz="1800" dirty="0"/>
               <a:t>:</a:t>
             </a:r>
           </a:p>
           <a:p>
-            <a:pPr marL="0" indent="0">
+            <a:pPr marL="0" indent="0" fontAlgn="base">
               <a:buFont typeface="Arial" panose="020B0604020202020204" pitchFamily="34" charset="0"/>
               <a:buNone/>
             </a:pPr>
             <a:r>
-              <a:rPr lang="en-US" sz="2000" dirty="0"/>
-              <a:t>-Hardware </a:t>
-            </a:r>
-            <a:r>
-              <a:rPr lang="en-US" sz="2000" dirty="0" err="1"/>
-              <a:t>werking</a:t>
-            </a:r>
-            <a:r>
-              <a:rPr lang="en-US" sz="2000" dirty="0"/>
-              <a:t> ~ </a:t>
-            </a:r>
-            <a:r>
-              <a:rPr lang="en-US" sz="1400" i="1" dirty="0"/>
-              <a:t> </a:t>
-            </a:r>
-            <a:r>
-              <a:rPr lang="en-US" sz="1400" i="1" dirty="0" err="1"/>
-              <a:t>Wachten</a:t>
-            </a:r>
-            <a:r>
-              <a:rPr lang="en-US" sz="1400" i="1" dirty="0"/>
-              <a:t> op </a:t>
-            </a:r>
-            <a:r>
-              <a:rPr lang="en-US" sz="1400" i="1" dirty="0" err="1"/>
-              <a:t>onderdelen</a:t>
-            </a:r>
-            <a:endParaRPr lang="en-US" sz="2000" dirty="0"/>
-          </a:p>
-          <a:p>
-            <a:pPr marL="0" indent="0">
+              <a:rPr lang="nl-NL" sz="1800" dirty="0"/>
+              <a:t>-Moeilijke start van het project</a:t>
+            </a:r>
+          </a:p>
+          <a:p>
+            <a:pPr marL="0" indent="0" fontAlgn="base">
               <a:buFont typeface="Arial" panose="020B0604020202020204" pitchFamily="34" charset="0"/>
               <a:buNone/>
             </a:pPr>
             <a:r>
-              <a:rPr lang="en-US" sz="2000" dirty="0"/>
-              <a:t>-software </a:t>
-            </a:r>
-            <a:r>
-              <a:rPr lang="en-US" sz="2000" dirty="0" err="1"/>
-              <a:t>werking</a:t>
-            </a:r>
-            <a:r>
-              <a:rPr lang="en-US" sz="2000" dirty="0"/>
-              <a:t>  ~ </a:t>
-            </a:r>
-            <a:r>
-              <a:rPr lang="en-US" sz="1400" i="1" dirty="0"/>
-              <a:t> </a:t>
-            </a:r>
-            <a:r>
-              <a:rPr lang="en-US" sz="1400" i="1" dirty="0" err="1"/>
-              <a:t>Wachten</a:t>
-            </a:r>
-            <a:r>
-              <a:rPr lang="en-US" sz="1400" i="1" dirty="0"/>
-              <a:t> op </a:t>
-            </a:r>
-            <a:r>
-              <a:rPr lang="en-US" sz="1400" i="1" dirty="0" err="1"/>
-              <a:t>onderdelen</a:t>
-            </a:r>
-            <a:endParaRPr lang="en-US" sz="2000" dirty="0"/>
-          </a:p>
-          <a:p>
-            <a:pPr marL="0" indent="0">
+              <a:rPr lang="nl-NL" sz="1800" dirty="0"/>
+              <a:t>-Een onduidelijk doel(qua oplevering voor school).</a:t>
+            </a:r>
+          </a:p>
+          <a:p>
+            <a:pPr marL="0" indent="0" fontAlgn="base">
               <a:buFont typeface="Arial" panose="020B0604020202020204" pitchFamily="34" charset="0"/>
               <a:buNone/>
             </a:pPr>
-            <a:endParaRPr lang="en-US" sz="2000" dirty="0"/>
-          </a:p>
-          <a:p>
-            <a:pPr marL="0" indent="0">
+            <a:r>
+              <a:rPr lang="nl-NL" sz="1800" dirty="0"/>
+              <a:t>-De opdrachtgever had verkeerde verwachtingen.</a:t>
+            </a:r>
+          </a:p>
+          <a:p>
+            <a:pPr marL="0" indent="0" fontAlgn="base">
               <a:buFont typeface="Arial" panose="020B0604020202020204" pitchFamily="34" charset="0"/>
               <a:buNone/>
             </a:pPr>
             <a:r>
-              <a:rPr lang="en-US" sz="2000" dirty="0" err="1"/>
-              <a:t>Benodigdheden</a:t>
-            </a:r>
-            <a:r>
-              <a:rPr lang="en-US" sz="2000" dirty="0"/>
-              <a:t>:</a:t>
-            </a:r>
-          </a:p>
-          <a:p>
-            <a:pPr marL="0" indent="0">
+              <a:rPr lang="nl-NL" sz="1800" dirty="0"/>
+              <a:t>-Slechte uitleg en informatie voorziening.</a:t>
+            </a:r>
+          </a:p>
+          <a:p>
+            <a:pPr marL="0" indent="0" fontAlgn="base">
               <a:buFont typeface="Arial" panose="020B0604020202020204" pitchFamily="34" charset="0"/>
               <a:buNone/>
             </a:pPr>
             <a:r>
-              <a:rPr lang="en-US" sz="2000" dirty="0"/>
-              <a:t>-Plastic </a:t>
-            </a:r>
-            <a:r>
-              <a:rPr lang="en-US" sz="2000" dirty="0" err="1"/>
-              <a:t>lijm</a:t>
-            </a:r>
-            <a:endParaRPr lang="en-US" sz="2000" dirty="0"/>
-          </a:p>
-          <a:p>
-            <a:pPr marL="0" indent="0">
+              <a:rPr lang="nl-NL" sz="1800" dirty="0"/>
+              <a:t>-Groot verschil in manier van Project lopen.</a:t>
+            </a:r>
+          </a:p>
+          <a:p>
+            <a:pPr marL="0" indent="0" fontAlgn="base">
               <a:buFont typeface="Arial" panose="020B0604020202020204" pitchFamily="34" charset="0"/>
               <a:buNone/>
             </a:pPr>
             <a:r>
-              <a:rPr lang="en-US" sz="2000" dirty="0"/>
-              <a:t>-LED + </a:t>
-            </a:r>
-            <a:r>
-              <a:rPr lang="en-US" sz="2000" dirty="0" err="1"/>
-              <a:t>voeding</a:t>
-            </a:r>
-            <a:endParaRPr lang="en-US" sz="2000" dirty="0"/>
+              <a:rPr lang="nl-NL" sz="1800" dirty="0"/>
+              <a:t>-Er was niet voor ieder </a:t>
+            </a:r>
+            <a:r>
+              <a:rPr lang="nl-NL" sz="1800"/>
+              <a:t>opleiding even veel te doen.</a:t>
+            </a:r>
+            <a:endParaRPr lang="en-US" sz="1400" dirty="0"/>
+          </a:p>
+          <a:p>
+            <a:endParaRPr lang="en-US" sz="1400" dirty="0"/>
+          </a:p>
+          <a:p>
+            <a:pPr lvl="1"/>
+            <a:endParaRPr lang="en-US" sz="1400" dirty="0"/>
+          </a:p>
+          <a:p>
+            <a:pPr marL="457200" lvl="1" indent="0">
+              <a:buFont typeface="Arial" panose="020B0604020202020204" pitchFamily="34" charset="0"/>
+              <a:buNone/>
+            </a:pPr>
+            <a:endParaRPr lang="en-US" sz="1400" dirty="0"/>
+          </a:p>
+          <a:p>
+            <a:endParaRPr lang="en-US" sz="1400" dirty="0"/>
           </a:p>
         </p:txBody>
       </p:sp>
@@ -9366,7 +10088,7 @@
 </p:sld>
 </file>
 
-<file path=ppt/slides/slide4.xml><?xml version="1.0" encoding="utf-8"?>
+<file path=ppt/slides/slide5.xml><?xml version="1.0" encoding="utf-8"?>
 <p:sld xmlns:a="http://schemas.openxmlformats.org/drawingml/2006/main" xmlns:r="http://schemas.openxmlformats.org/officeDocument/2006/relationships" xmlns:p="http://schemas.openxmlformats.org/presentationml/2006/main">
   <p:cSld>
     <p:bg>
@@ -9448,83 +10170,12 @@
           <a:p>
             <a:r>
               <a:rPr lang="en-US" dirty="0" err="1"/>
-              <a:t>Overig</a:t>
+              <a:t>Conclusie</a:t>
             </a:r>
             <a:endParaRPr lang="en-US" dirty="0"/>
           </a:p>
         </p:txBody>
       </p:sp>
-      <p:pic>
-        <p:nvPicPr>
-          <p:cNvPr id="6" name="Tijdelijke aanduiding voor inhoud 5">
-            <a:extLst>
-              <a:ext uri="{FF2B5EF4-FFF2-40B4-BE49-F238E27FC236}">
-                <a16:creationId xmlns:a16="http://schemas.microsoft.com/office/drawing/2014/main" id="{BC4A354D-1FCC-4140-B42A-1C5428982737}"/>
-              </a:ext>
-            </a:extLst>
-          </p:cNvPr>
-          <p:cNvPicPr>
-            <a:picLocks noGrp="1" noChangeAspect="1"/>
-          </p:cNvPicPr>
-          <p:nvPr>
-            <p:ph idx="1"/>
-          </p:nvPr>
-        </p:nvPicPr>
-        <p:blipFill>
-          <a:blip r:embed="rId2">
-            <a:extLst>
-              <a:ext uri="{28A0092B-C50C-407E-A947-70E740481C1C}">
-                <a14:useLocalDpi xmlns:a14="http://schemas.microsoft.com/office/drawing/2010/main" val="0"/>
-              </a:ext>
-            </a:extLst>
-          </a:blip>
-          <a:stretch>
-            <a:fillRect/>
-          </a:stretch>
-        </p:blipFill>
-        <p:spPr>
-          <a:xfrm>
-            <a:off x="7491825" y="2095793"/>
-            <a:ext cx="2802357" cy="4258128"/>
-          </a:xfrm>
-        </p:spPr>
-      </p:pic>
-      <p:pic>
-        <p:nvPicPr>
-          <p:cNvPr id="10" name="Afbeelding 9" descr="Afbeelding met tekst, kaart&#10;&#10;Automatisch gegenereerde beschrijving">
-            <a:extLst>
-              <a:ext uri="{FF2B5EF4-FFF2-40B4-BE49-F238E27FC236}">
-                <a16:creationId xmlns:a16="http://schemas.microsoft.com/office/drawing/2014/main" id="{5D283229-C34A-43F4-BBC8-AF2842500FEE}"/>
-              </a:ext>
-            </a:extLst>
-          </p:cNvPr>
-          <p:cNvPicPr>
-            <a:picLocks noChangeAspect="1"/>
-          </p:cNvPicPr>
-          <p:nvPr/>
-        </p:nvPicPr>
-        <p:blipFill>
-          <a:blip r:embed="rId3">
-            <a:extLst>
-              <a:ext uri="{28A0092B-C50C-407E-A947-70E740481C1C}">
-                <a14:useLocalDpi xmlns:a14="http://schemas.microsoft.com/office/drawing/2010/main" val="0"/>
-              </a:ext>
-            </a:extLst>
-          </a:blip>
-          <a:stretch>
-            <a:fillRect/>
-          </a:stretch>
-        </p:blipFill>
-        <p:spPr>
-          <a:xfrm>
-            <a:off x="329269" y="2095793"/>
-            <a:ext cx="6828112" cy="4214225"/>
-          </a:xfrm>
-          <a:prstGeom prst="rect">
-            <a:avLst/>
-          </a:prstGeom>
-        </p:spPr>
-      </p:pic>
     </p:spTree>
     <p:extLst>
       <p:ext uri="{BB962C8B-B14F-4D97-AF65-F5344CB8AC3E}">
@@ -9541,21 +10192,21 @@
 <file path=ppt/theme/theme1.xml><?xml version="1.0" encoding="utf-8"?>
 <a:theme xmlns:a="http://schemas.openxmlformats.org/drawingml/2006/main" name="Berlijn">
   <a:themeElements>
-    <a:clrScheme name="Roodoranje">
+    <a:clrScheme name="Aangepast 4">
       <a:dk1>
-        <a:sysClr val="windowText" lastClr="000000"/>
+        <a:srgbClr val="000000"/>
       </a:dk1>
       <a:lt1>
         <a:sysClr val="window" lastClr="FFFFFF"/>
       </a:lt1>
       <a:dk2>
-        <a:srgbClr val="505046"/>
+        <a:srgbClr val="272723"/>
       </a:dk2>
       <a:lt2>
         <a:srgbClr val="EEECE1"/>
       </a:lt2>
       <a:accent1>
-        <a:srgbClr val="E84C22"/>
+        <a:srgbClr val="F49C00"/>
       </a:accent1>
       <a:accent2>
         <a:srgbClr val="FFBD47"/>
@@ -9793,11 +10444,12 @@
 </file>
 
 <file path=customXml/item1.xml><?xml version="1.0" encoding="utf-8"?>
-<p:properties xmlns:p="http://schemas.microsoft.com/office/2006/metadata/properties" xmlns:xsi="http://www.w3.org/2001/XMLSchema-instance" xmlns:pc="http://schemas.microsoft.com/office/infopath/2007/PartnerControls">
-  <documentManagement>
-    <Aantal xmlns="e5014122-0f0a-4a7a-8043-8075ae17fa9b">1</Aantal>
-  </documentManagement>
-</p:properties>
+<?mso-contentType ?>
+<FormTemplates xmlns="http://schemas.microsoft.com/sharepoint/v3/contenttype/forms">
+  <Display>DocumentLibraryForm</Display>
+  <Edit>DocumentLibraryForm</Edit>
+  <New>DocumentLibraryForm</New>
+</FormTemplates>
 </file>
 
 <file path=customXml/item2.xml><?xml version="1.0" encoding="utf-8"?>
@@ -10010,39 +10662,53 @@
 </file>
 
 <file path=customXml/item3.xml><?xml version="1.0" encoding="utf-8"?>
-<?mso-contentType ?>
-<FormTemplates xmlns="http://schemas.microsoft.com/sharepoint/v3/contenttype/forms">
-  <Display>DocumentLibraryForm</Display>
-  <Edit>DocumentLibraryForm</Edit>
-  <New>DocumentLibraryForm</New>
-</FormTemplates>
+<p:properties xmlns:p="http://schemas.microsoft.com/office/2006/metadata/properties" xmlns:xsi="http://www.w3.org/2001/XMLSchema-instance" xmlns:pc="http://schemas.microsoft.com/office/infopath/2007/PartnerControls">
+  <documentManagement>
+    <Aantal xmlns="e5014122-0f0a-4a7a-8043-8075ae17fa9b">1</Aantal>
+  </documentManagement>
+</p:properties>
 </file>
 
 <file path=customXml/itemProps1.xml><?xml version="1.0" encoding="utf-8"?>
-<ds:datastoreItem xmlns:ds="http://schemas.openxmlformats.org/officeDocument/2006/customXml" ds:itemID="{41CD1A91-908D-494A-BFCD-E18EB7E9E498}">
+<ds:datastoreItem xmlns:ds="http://schemas.openxmlformats.org/officeDocument/2006/customXml" ds:itemID="{BE06278F-1384-49DE-B3D7-2DCFB5E80BC8}">
   <ds:schemaRefs>
-    <ds:schemaRef ds:uri="e5014122-0f0a-4a7a-8043-8075ae17fa9b"/>
-    <ds:schemaRef ds:uri="http://schemas.microsoft.com/office/2006/documentManagement/types"/>
-    <ds:schemaRef ds:uri="http://schemas.microsoft.com/office/2006/metadata/properties"/>
-    <ds:schemaRef ds:uri="http://purl.org/dc/elements/1.1/"/>
-    <ds:schemaRef ds:uri="http://schemas.openxmlformats.org/package/2006/metadata/core-properties"/>
-    <ds:schemaRef ds:uri="http://schemas.microsoft.com/office/infopath/2007/PartnerControls"/>
-    <ds:schemaRef ds:uri="http://purl.org/dc/terms/"/>
-    <ds:schemaRef ds:uri="650060f8-5ca3-4039-8c45-fe2a2bb4b312"/>
-    <ds:schemaRef ds:uri="http://www.w3.org/XML/1998/namespace"/>
-    <ds:schemaRef ds:uri="http://purl.org/dc/dcmitype/"/>
+    <ds:schemaRef ds:uri="http://schemas.microsoft.com/sharepoint/v3/contenttype/forms"/>
   </ds:schemaRefs>
 </ds:datastoreItem>
 </file>
 
 <file path=customXml/itemProps2.xml><?xml version="1.0" encoding="utf-8"?>
-<ds:datastoreItem xmlns:ds="http://schemas.openxmlformats.org/officeDocument/2006/customXml" ds:itemID="{73D6DAE8-4198-4088-9E84-3669F395E225}"/>
+<ds:datastoreItem xmlns:ds="http://schemas.openxmlformats.org/officeDocument/2006/customXml" ds:itemID="{73D6DAE8-4198-4088-9E84-3669F395E225}">
+  <ds:schemaRefs>
+    <ds:schemaRef ds:uri="http://schemas.microsoft.com/office/2006/metadata/contentType"/>
+    <ds:schemaRef ds:uri="http://schemas.microsoft.com/office/2006/metadata/properties/metaAttributes"/>
+    <ds:schemaRef ds:uri="http://www.w3.org/2001/XMLSchema"/>
+    <ds:schemaRef ds:uri="http://schemas.microsoft.com/office/2006/metadata/properties"/>
+    <ds:schemaRef ds:uri="e5014122-0f0a-4a7a-8043-8075ae17fa9b"/>
+    <ds:schemaRef ds:uri="650060f8-5ca3-4039-8c45-fe2a2bb4b312"/>
+    <ds:schemaRef ds:uri="http://schemas.microsoft.com/office/2006/documentManagement/types"/>
+    <ds:schemaRef ds:uri="http://schemas.microsoft.com/office/infopath/2007/PartnerControls"/>
+    <ds:schemaRef ds:uri="http://schemas.openxmlformats.org/package/2006/metadata/core-properties"/>
+    <ds:schemaRef ds:uri="http://purl.org/dc/elements/1.1/"/>
+    <ds:schemaRef ds:uri="http://purl.org/dc/terms/"/>
+    <ds:schemaRef ds:uri="http://schemas.microsoft.com/internal/obd"/>
+  </ds:schemaRefs>
+</ds:datastoreItem>
 </file>
 
 <file path=customXml/itemProps3.xml><?xml version="1.0" encoding="utf-8"?>
-<ds:datastoreItem xmlns:ds="http://schemas.openxmlformats.org/officeDocument/2006/customXml" ds:itemID="{BE06278F-1384-49DE-B3D7-2DCFB5E80BC8}">
+<ds:datastoreItem xmlns:ds="http://schemas.openxmlformats.org/officeDocument/2006/customXml" ds:itemID="{41CD1A91-908D-494A-BFCD-E18EB7E9E498}">
   <ds:schemaRefs>
-    <ds:schemaRef ds:uri="http://schemas.microsoft.com/sharepoint/v3/contenttype/forms"/>
+    <ds:schemaRef ds:uri="http://schemas.microsoft.com/office/infopath/2007/PartnerControls"/>
+    <ds:schemaRef ds:uri="http://purl.org/dc/dcmitype/"/>
+    <ds:schemaRef ds:uri="e5014122-0f0a-4a7a-8043-8075ae17fa9b"/>
+    <ds:schemaRef ds:uri="http://purl.org/dc/elements/1.1/"/>
+    <ds:schemaRef ds:uri="http://schemas.microsoft.com/office/2006/documentManagement/types"/>
+    <ds:schemaRef ds:uri="http://schemas.openxmlformats.org/package/2006/metadata/core-properties"/>
+    <ds:schemaRef ds:uri="http://purl.org/dc/terms/"/>
+    <ds:schemaRef ds:uri="650060f8-5ca3-4039-8c45-fe2a2bb4b312"/>
+    <ds:schemaRef ds:uri="http://schemas.microsoft.com/office/2006/metadata/properties"/>
+    <ds:schemaRef ds:uri="http://www.w3.org/XML/1998/namespace"/>
   </ds:schemaRefs>
 </ds:datastoreItem>
 </file>